--- a/Day 8/Slides/7. Working with User Input/7-jquery-getting-started-m7-slides.pptx
+++ b/Day 8/Slides/7. Working with User Input/7-jquery-getting-started-m7-slides.pptx
@@ -5,17 +5,22 @@
     <p:sldMasterId id="2147483648" r:id="rId1"/>
   </p:sldMasterIdLst>
   <p:notesMasterIdLst>
-    <p:notesMasterId r:id="rId4"/>
+    <p:notesMasterId r:id="rId15"/>
   </p:notesMasterIdLst>
   <p:sldIdLst>
-    <p:sldId id="256" r:id="rId3"/>
-    <p:sldId id="257" r:id="rId5"/>
-    <p:sldId id="258" r:id="rId6"/>
-    <p:sldId id="259" r:id="rId7"/>
-    <p:sldId id="260" r:id="rId8"/>
-    <p:sldId id="261" r:id="rId9"/>
-    <p:sldId id="262" r:id="rId10"/>
-    <p:sldId id="263" r:id="rId11"/>
+    <p:sldId id="256" r:id="rId2"/>
+    <p:sldId id="257" r:id="rId3"/>
+    <p:sldId id="258" r:id="rId4"/>
+    <p:sldId id="259" r:id="rId5"/>
+    <p:sldId id="260" r:id="rId6"/>
+    <p:sldId id="264" r:id="rId7"/>
+    <p:sldId id="265" r:id="rId8"/>
+    <p:sldId id="266" r:id="rId9"/>
+    <p:sldId id="267" r:id="rId10"/>
+    <p:sldId id="268" r:id="rId11"/>
+    <p:sldId id="261" r:id="rId12"/>
+    <p:sldId id="262" r:id="rId13"/>
+    <p:sldId id="263" r:id="rId14"/>
   </p:sldIdLst>
   <p:sldSz cx="12192000" cy="6858000"/>
   <p:notesSz cx="12192000" cy="6858000"/>
@@ -111,6 +116,22 @@
       </a:defRPr>
     </a:lvl9pPr>
   </p:defaultTextStyle>
+  <p:extLst>
+    <p:ext uri="{EFAFB233-063F-42B5-8137-9DF3F51BA10A}">
+      <p15:sldGuideLst xmlns:p15="http://schemas.microsoft.com/office/powerpoint/2012/main">
+        <p15:guide id="1" orient="horz" pos="2880">
+          <p15:clr>
+            <a:srgbClr val="A4A3A4"/>
+          </p15:clr>
+        </p15:guide>
+        <p15:guide id="2" pos="2160">
+          <p15:clr>
+            <a:srgbClr val="A4A3A4"/>
+          </p15:clr>
+        </p15:guide>
+      </p15:sldGuideLst>
+    </p:ext>
+  </p:extLst>
 </p:presentation>
 </file>
 
@@ -196,6 +217,7 @@
           <a:p>
             <a:fld id="{3EFD42F7-718C-4B98-AAEC-167E6DDD60A7}" type="datetimeFigureOut">
               <a:rPr lang="en-US" smtClean="0"/>
+              <a:t>8/16/2023</a:t>
             </a:fld>
             <a:endParaRPr lang="en-US"/>
           </a:p>
@@ -259,42 +281,37 @@
           <a:p>
             <a:pPr lvl="0"/>
             <a:r>
-              <a:rPr lang="en-US" smtClean="0"/>
+              <a:rPr lang="en-US"/>
               <a:t>Click to edit Master text styles</a:t>
             </a:r>
-            <a:endParaRPr lang="en-US" smtClean="0"/>
           </a:p>
           <a:p>
             <a:pPr lvl="1"/>
             <a:r>
-              <a:rPr lang="en-US" smtClean="0"/>
+              <a:rPr lang="en-US"/>
               <a:t>Second level</a:t>
             </a:r>
-            <a:endParaRPr lang="en-US" smtClean="0"/>
           </a:p>
           <a:p>
             <a:pPr lvl="2"/>
             <a:r>
-              <a:rPr lang="en-US" smtClean="0"/>
+              <a:rPr lang="en-US"/>
               <a:t>Third level</a:t>
             </a:r>
-            <a:endParaRPr lang="en-US" smtClean="0"/>
           </a:p>
           <a:p>
             <a:pPr lvl="3"/>
             <a:r>
-              <a:rPr lang="en-US" smtClean="0"/>
+              <a:rPr lang="en-US"/>
               <a:t>Fourth level</a:t>
             </a:r>
-            <a:endParaRPr lang="en-US" smtClean="0"/>
           </a:p>
           <a:p>
             <a:pPr lvl="4"/>
             <a:r>
-              <a:rPr lang="en-US" smtClean="0"/>
+              <a:rPr lang="en-US"/>
               <a:t>Fifth level</a:t>
             </a:r>
-            <a:endParaRPr lang="en-US"/>
           </a:p>
         </p:txBody>
       </p:sp>
@@ -358,6 +375,7 @@
           <a:p>
             <a:fld id="{21B2AA4F-B828-4D7C-AFD3-893933DAFCB4}" type="slidenum">
               <a:rPr lang="en-US" smtClean="0"/>
+              <a:t>‹#›</a:t>
             </a:fld>
             <a:endParaRPr lang="en-US"/>
           </a:p>
@@ -466,7 +484,7 @@
   <p:cSld>
     <p:spTree>
       <p:nvGrpSpPr>
-        <p:cNvPr id="2" name=""/>
+        <p:cNvPr id="1" name=""/>
         <p:cNvGrpSpPr/>
         <p:nvPr/>
       </p:nvGrpSpPr>
@@ -480,7 +498,7 @@
       </p:grpSpPr>
       <p:sp>
         <p:nvSpPr>
-          <p:cNvPr id="1" name="Notes Placeholder"/>
+          <p:cNvPr id="2" name="Notes Placeholder"/>
           <p:cNvSpPr>
             <a:spLocks noGrp="1"/>
           </p:cNvSpPr>
@@ -494,7 +512,198 @@
             <a:normAutofit/>
           </a:bodyPr>
           <a:lstStyle/>
-          <a:p/>
+          <a:p>
+            <a:endParaRPr/>
+          </a:p>
+        </p:txBody>
+      </p:sp>
+    </p:spTree>
+  </p:cSld>
+  <p:clrMapOvr>
+    <a:masterClrMapping/>
+  </p:clrMapOvr>
+</p:notes>
+</file>
+
+<file path=ppt/notesSlides/notesSlide10.xml><?xml version="1.0" encoding="utf-8"?>
+<p:notes xmlns:a="http://schemas.openxmlformats.org/drawingml/2006/main" xmlns:r="http://schemas.openxmlformats.org/officeDocument/2006/relationships" xmlns:p="http://schemas.openxmlformats.org/presentationml/2006/main">
+  <p:cSld>
+    <p:spTree>
+      <p:nvGrpSpPr>
+        <p:cNvPr id="1" name=""/>
+        <p:cNvGrpSpPr/>
+        <p:nvPr/>
+      </p:nvGrpSpPr>
+      <p:grpSpPr>
+        <a:xfrm>
+          <a:off x="0" y="0"/>
+          <a:ext cx="0" cy="0"/>
+          <a:chOff x="0" y="0"/>
+          <a:chExt cx="0" cy="0"/>
+        </a:xfrm>
+      </p:grpSpPr>
+      <p:sp>
+        <p:nvSpPr>
+          <p:cNvPr id="2" name="Notes Placeholder"/>
+          <p:cNvSpPr>
+            <a:spLocks noGrp="1"/>
+          </p:cNvSpPr>
+          <p:nvPr>
+            <p:ph type="body" idx="1"/>
+          </p:nvPr>
+        </p:nvSpPr>
+        <p:spPr/>
+        <p:txBody>
+          <a:bodyPr>
+            <a:normAutofit/>
+          </a:bodyPr>
+          <a:lstStyle/>
+          <a:p>
+            <a:endParaRPr/>
+          </a:p>
+        </p:txBody>
+      </p:sp>
+    </p:spTree>
+    <p:extLst>
+      <p:ext uri="{BB962C8B-B14F-4D97-AF65-F5344CB8AC3E}">
+        <p14:creationId xmlns:p14="http://schemas.microsoft.com/office/powerpoint/2010/main" val="3245437467"/>
+      </p:ext>
+    </p:extLst>
+  </p:cSld>
+  <p:clrMapOvr>
+    <a:masterClrMapping/>
+  </p:clrMapOvr>
+</p:notes>
+</file>
+
+<file path=ppt/notesSlides/notesSlide11.xml><?xml version="1.0" encoding="utf-8"?>
+<p:notes xmlns:a="http://schemas.openxmlformats.org/drawingml/2006/main" xmlns:r="http://schemas.openxmlformats.org/officeDocument/2006/relationships" xmlns:p="http://schemas.openxmlformats.org/presentationml/2006/main">
+  <p:cSld>
+    <p:spTree>
+      <p:nvGrpSpPr>
+        <p:cNvPr id="1" name=""/>
+        <p:cNvGrpSpPr/>
+        <p:nvPr/>
+      </p:nvGrpSpPr>
+      <p:grpSpPr>
+        <a:xfrm>
+          <a:off x="0" y="0"/>
+          <a:ext cx="0" cy="0"/>
+          <a:chOff x="0" y="0"/>
+          <a:chExt cx="0" cy="0"/>
+        </a:xfrm>
+      </p:grpSpPr>
+      <p:sp>
+        <p:nvSpPr>
+          <p:cNvPr id="2" name="Notes Placeholder"/>
+          <p:cNvSpPr>
+            <a:spLocks noGrp="1"/>
+          </p:cNvSpPr>
+          <p:nvPr>
+            <p:ph type="body" idx="1"/>
+          </p:nvPr>
+        </p:nvSpPr>
+        <p:spPr/>
+        <p:txBody>
+          <a:bodyPr>
+            <a:normAutofit/>
+          </a:bodyPr>
+          <a:lstStyle/>
+          <a:p>
+            <a:endParaRPr/>
+          </a:p>
+        </p:txBody>
+      </p:sp>
+    </p:spTree>
+  </p:cSld>
+  <p:clrMapOvr>
+    <a:masterClrMapping/>
+  </p:clrMapOvr>
+</p:notes>
+</file>
+
+<file path=ppt/notesSlides/notesSlide12.xml><?xml version="1.0" encoding="utf-8"?>
+<p:notes xmlns:a="http://schemas.openxmlformats.org/drawingml/2006/main" xmlns:r="http://schemas.openxmlformats.org/officeDocument/2006/relationships" xmlns:p="http://schemas.openxmlformats.org/presentationml/2006/main">
+  <p:cSld>
+    <p:spTree>
+      <p:nvGrpSpPr>
+        <p:cNvPr id="1" name=""/>
+        <p:cNvGrpSpPr/>
+        <p:nvPr/>
+      </p:nvGrpSpPr>
+      <p:grpSpPr>
+        <a:xfrm>
+          <a:off x="0" y="0"/>
+          <a:ext cx="0" cy="0"/>
+          <a:chOff x="0" y="0"/>
+          <a:chExt cx="0" cy="0"/>
+        </a:xfrm>
+      </p:grpSpPr>
+      <p:sp>
+        <p:nvSpPr>
+          <p:cNvPr id="2" name="Notes Placeholder"/>
+          <p:cNvSpPr>
+            <a:spLocks noGrp="1"/>
+          </p:cNvSpPr>
+          <p:nvPr>
+            <p:ph type="body" idx="1"/>
+          </p:nvPr>
+        </p:nvSpPr>
+        <p:spPr/>
+        <p:txBody>
+          <a:bodyPr>
+            <a:normAutofit/>
+          </a:bodyPr>
+          <a:lstStyle/>
+          <a:p>
+            <a:endParaRPr/>
+          </a:p>
+        </p:txBody>
+      </p:sp>
+    </p:spTree>
+  </p:cSld>
+  <p:clrMapOvr>
+    <a:masterClrMapping/>
+  </p:clrMapOvr>
+</p:notes>
+</file>
+
+<file path=ppt/notesSlides/notesSlide13.xml><?xml version="1.0" encoding="utf-8"?>
+<p:notes xmlns:a="http://schemas.openxmlformats.org/drawingml/2006/main" xmlns:r="http://schemas.openxmlformats.org/officeDocument/2006/relationships" xmlns:p="http://schemas.openxmlformats.org/presentationml/2006/main">
+  <p:cSld>
+    <p:spTree>
+      <p:nvGrpSpPr>
+        <p:cNvPr id="1" name=""/>
+        <p:cNvGrpSpPr/>
+        <p:nvPr/>
+      </p:nvGrpSpPr>
+      <p:grpSpPr>
+        <a:xfrm>
+          <a:off x="0" y="0"/>
+          <a:ext cx="0" cy="0"/>
+          <a:chOff x="0" y="0"/>
+          <a:chExt cx="0" cy="0"/>
+        </a:xfrm>
+      </p:grpSpPr>
+      <p:sp>
+        <p:nvSpPr>
+          <p:cNvPr id="2" name="Notes Placeholder"/>
+          <p:cNvSpPr>
+            <a:spLocks noGrp="1"/>
+          </p:cNvSpPr>
+          <p:nvPr>
+            <p:ph type="body" idx="1"/>
+          </p:nvPr>
+        </p:nvSpPr>
+        <p:spPr/>
+        <p:txBody>
+          <a:bodyPr>
+            <a:normAutofit/>
+          </a:bodyPr>
+          <a:lstStyle/>
+          <a:p>
+            <a:endParaRPr/>
+          </a:p>
         </p:txBody>
       </p:sp>
     </p:spTree>
@@ -510,7 +719,7 @@
   <p:cSld>
     <p:spTree>
       <p:nvGrpSpPr>
-        <p:cNvPr id="2" name=""/>
+        <p:cNvPr id="1" name=""/>
         <p:cNvGrpSpPr/>
         <p:nvPr/>
       </p:nvGrpSpPr>
@@ -524,7 +733,7 @@
       </p:grpSpPr>
       <p:sp>
         <p:nvSpPr>
-          <p:cNvPr id="1" name="Notes Placeholder"/>
+          <p:cNvPr id="2" name="Notes Placeholder"/>
           <p:cNvSpPr>
             <a:spLocks noGrp="1"/>
           </p:cNvSpPr>
@@ -538,7 +747,9 @@
             <a:normAutofit/>
           </a:bodyPr>
           <a:lstStyle/>
-          <a:p/>
+          <a:p>
+            <a:endParaRPr/>
+          </a:p>
         </p:txBody>
       </p:sp>
     </p:spTree>
@@ -554,7 +765,7 @@
   <p:cSld>
     <p:spTree>
       <p:nvGrpSpPr>
-        <p:cNvPr id="2" name=""/>
+        <p:cNvPr id="1" name=""/>
         <p:cNvGrpSpPr/>
         <p:nvPr/>
       </p:nvGrpSpPr>
@@ -568,7 +779,7 @@
       </p:grpSpPr>
       <p:sp>
         <p:nvSpPr>
-          <p:cNvPr id="1" name="Notes Placeholder"/>
+          <p:cNvPr id="2" name="Notes Placeholder"/>
           <p:cNvSpPr>
             <a:spLocks noGrp="1"/>
           </p:cNvSpPr>
@@ -582,7 +793,9 @@
             <a:normAutofit/>
           </a:bodyPr>
           <a:lstStyle/>
-          <a:p/>
+          <a:p>
+            <a:endParaRPr/>
+          </a:p>
         </p:txBody>
       </p:sp>
     </p:spTree>
@@ -598,7 +811,7 @@
   <p:cSld>
     <p:spTree>
       <p:nvGrpSpPr>
-        <p:cNvPr id="2" name=""/>
+        <p:cNvPr id="1" name=""/>
         <p:cNvGrpSpPr/>
         <p:nvPr/>
       </p:nvGrpSpPr>
@@ -612,7 +825,7 @@
       </p:grpSpPr>
       <p:sp>
         <p:nvSpPr>
-          <p:cNvPr id="1" name="Notes Placeholder"/>
+          <p:cNvPr id="2" name="Notes Placeholder"/>
           <p:cNvSpPr>
             <a:spLocks noGrp="1"/>
           </p:cNvSpPr>
@@ -626,7 +839,9 @@
             <a:normAutofit/>
           </a:bodyPr>
           <a:lstStyle/>
-          <a:p/>
+          <a:p>
+            <a:endParaRPr/>
+          </a:p>
         </p:txBody>
       </p:sp>
     </p:spTree>
@@ -642,7 +857,7 @@
   <p:cSld>
     <p:spTree>
       <p:nvGrpSpPr>
-        <p:cNvPr id="2" name=""/>
+        <p:cNvPr id="1" name=""/>
         <p:cNvGrpSpPr/>
         <p:nvPr/>
       </p:nvGrpSpPr>
@@ -656,7 +871,7 @@
       </p:grpSpPr>
       <p:sp>
         <p:nvSpPr>
-          <p:cNvPr id="1" name="Notes Placeholder"/>
+          <p:cNvPr id="2" name="Notes Placeholder"/>
           <p:cNvSpPr>
             <a:spLocks noGrp="1"/>
           </p:cNvSpPr>
@@ -670,7 +885,9 @@
             <a:normAutofit/>
           </a:bodyPr>
           <a:lstStyle/>
-          <a:p/>
+          <a:p>
+            <a:endParaRPr/>
+          </a:p>
         </p:txBody>
       </p:sp>
     </p:spTree>
@@ -686,7 +903,7 @@
   <p:cSld>
     <p:spTree>
       <p:nvGrpSpPr>
-        <p:cNvPr id="2" name=""/>
+        <p:cNvPr id="1" name=""/>
         <p:cNvGrpSpPr/>
         <p:nvPr/>
       </p:nvGrpSpPr>
@@ -700,7 +917,7 @@
       </p:grpSpPr>
       <p:sp>
         <p:nvSpPr>
-          <p:cNvPr id="1" name="Notes Placeholder"/>
+          <p:cNvPr id="2" name="Notes Placeholder"/>
           <p:cNvSpPr>
             <a:spLocks noGrp="1"/>
           </p:cNvSpPr>
@@ -714,10 +931,17 @@
             <a:normAutofit/>
           </a:bodyPr>
           <a:lstStyle/>
-          <a:p/>
+          <a:p>
+            <a:endParaRPr/>
+          </a:p>
         </p:txBody>
       </p:sp>
     </p:spTree>
+    <p:extLst>
+      <p:ext uri="{BB962C8B-B14F-4D97-AF65-F5344CB8AC3E}">
+        <p14:creationId xmlns:p14="http://schemas.microsoft.com/office/powerpoint/2010/main" val="3617786994"/>
+      </p:ext>
+    </p:extLst>
   </p:cSld>
   <p:clrMapOvr>
     <a:masterClrMapping/>
@@ -730,7 +954,7 @@
   <p:cSld>
     <p:spTree>
       <p:nvGrpSpPr>
-        <p:cNvPr id="2" name=""/>
+        <p:cNvPr id="1" name=""/>
         <p:cNvGrpSpPr/>
         <p:nvPr/>
       </p:nvGrpSpPr>
@@ -744,7 +968,7 @@
       </p:grpSpPr>
       <p:sp>
         <p:nvSpPr>
-          <p:cNvPr id="1" name="Notes Placeholder"/>
+          <p:cNvPr id="2" name="Notes Placeholder"/>
           <p:cNvSpPr>
             <a:spLocks noGrp="1"/>
           </p:cNvSpPr>
@@ -758,10 +982,17 @@
             <a:normAutofit/>
           </a:bodyPr>
           <a:lstStyle/>
-          <a:p/>
+          <a:p>
+            <a:endParaRPr/>
+          </a:p>
         </p:txBody>
       </p:sp>
     </p:spTree>
+    <p:extLst>
+      <p:ext uri="{BB962C8B-B14F-4D97-AF65-F5344CB8AC3E}">
+        <p14:creationId xmlns:p14="http://schemas.microsoft.com/office/powerpoint/2010/main" val="3248716687"/>
+      </p:ext>
+    </p:extLst>
   </p:cSld>
   <p:clrMapOvr>
     <a:masterClrMapping/>
@@ -774,7 +1005,7 @@
   <p:cSld>
     <p:spTree>
       <p:nvGrpSpPr>
-        <p:cNvPr id="2" name=""/>
+        <p:cNvPr id="1" name=""/>
         <p:cNvGrpSpPr/>
         <p:nvPr/>
       </p:nvGrpSpPr>
@@ -788,7 +1019,7 @@
       </p:grpSpPr>
       <p:sp>
         <p:nvSpPr>
-          <p:cNvPr id="1" name="Notes Placeholder"/>
+          <p:cNvPr id="2" name="Notes Placeholder"/>
           <p:cNvSpPr>
             <a:spLocks noGrp="1"/>
           </p:cNvSpPr>
@@ -802,10 +1033,68 @@
             <a:normAutofit/>
           </a:bodyPr>
           <a:lstStyle/>
-          <a:p/>
+          <a:p>
+            <a:endParaRPr/>
+          </a:p>
         </p:txBody>
       </p:sp>
     </p:spTree>
+    <p:extLst>
+      <p:ext uri="{BB962C8B-B14F-4D97-AF65-F5344CB8AC3E}">
+        <p14:creationId xmlns:p14="http://schemas.microsoft.com/office/powerpoint/2010/main" val="176360459"/>
+      </p:ext>
+    </p:extLst>
+  </p:cSld>
+  <p:clrMapOvr>
+    <a:masterClrMapping/>
+  </p:clrMapOvr>
+</p:notes>
+</file>
+
+<file path=ppt/notesSlides/notesSlide9.xml><?xml version="1.0" encoding="utf-8"?>
+<p:notes xmlns:a="http://schemas.openxmlformats.org/drawingml/2006/main" xmlns:r="http://schemas.openxmlformats.org/officeDocument/2006/relationships" xmlns:p="http://schemas.openxmlformats.org/presentationml/2006/main">
+  <p:cSld>
+    <p:spTree>
+      <p:nvGrpSpPr>
+        <p:cNvPr id="1" name=""/>
+        <p:cNvGrpSpPr/>
+        <p:nvPr/>
+      </p:nvGrpSpPr>
+      <p:grpSpPr>
+        <a:xfrm>
+          <a:off x="0" y="0"/>
+          <a:ext cx="0" cy="0"/>
+          <a:chOff x="0" y="0"/>
+          <a:chExt cx="0" cy="0"/>
+        </a:xfrm>
+      </p:grpSpPr>
+      <p:sp>
+        <p:nvSpPr>
+          <p:cNvPr id="2" name="Notes Placeholder"/>
+          <p:cNvSpPr>
+            <a:spLocks noGrp="1"/>
+          </p:cNvSpPr>
+          <p:nvPr>
+            <p:ph type="body" idx="1"/>
+          </p:nvPr>
+        </p:nvSpPr>
+        <p:spPr/>
+        <p:txBody>
+          <a:bodyPr>
+            <a:normAutofit/>
+          </a:bodyPr>
+          <a:lstStyle/>
+          <a:p>
+            <a:endParaRPr/>
+          </a:p>
+        </p:txBody>
+      </p:sp>
+    </p:spTree>
+    <p:extLst>
+      <p:ext uri="{BB962C8B-B14F-4D97-AF65-F5344CB8AC3E}">
+        <p14:creationId xmlns:p14="http://schemas.microsoft.com/office/powerpoint/2010/main" val="723432184"/>
+      </p:ext>
+    </p:extLst>
   </p:cSld>
   <p:clrMapOvr>
     <a:masterClrMapping/>
@@ -858,7 +1147,9 @@
               <a:defRPr/>
             </a:lvl1pPr>
           </a:lstStyle>
-          <a:p/>
+          <a:p>
+            <a:endParaRPr/>
+          </a:p>
         </p:txBody>
       </p:sp>
       <p:sp>
@@ -889,7 +1180,9 @@
               <a:defRPr/>
             </a:lvl1pPr>
           </a:lstStyle>
-          <a:p/>
+          <a:p>
+            <a:endParaRPr/>
+          </a:p>
         </p:txBody>
       </p:sp>
       <p:sp>
@@ -916,7 +1209,9 @@
               </a:defRPr>
             </a:lvl1pPr>
           </a:lstStyle>
-          <a:p/>
+          <a:p>
+            <a:endParaRPr/>
+          </a:p>
         </p:txBody>
       </p:sp>
       <p:sp>
@@ -946,6 +1241,7 @@
           <a:p>
             <a:fld id="{1D8BD707-D9CF-40AE-B4C6-C98DA3205C09}" type="datetimeFigureOut">
               <a:rPr lang="en-US"/>
+              <a:t>8/16/2023</a:t>
             </a:fld>
             <a:endParaRPr lang="en-US"/>
           </a:p>
@@ -978,6 +1274,7 @@
           <a:p>
             <a:fld id="{B6F15528-21DE-4FAA-801E-634DDDAF4B2B}" type="slidenum">
               <a:rPr/>
+              <a:t>‹#›</a:t>
             </a:fld>
             <a:endParaRPr/>
           </a:p>
@@ -993,7 +1290,7 @@
 </file>
 
 <file path=ppt/slideLayouts/slideLayout2.xml><?xml version="1.0" encoding="utf-8"?>
-<p:sldLayout xmlns:a="http://schemas.openxmlformats.org/drawingml/2006/main" xmlns:r="http://schemas.openxmlformats.org/officeDocument/2006/relationships" xmlns:p="http://schemas.openxmlformats.org/presentationml/2006/main" type="obj" preserve="1" showMasterSp="0">
+<p:sldLayout xmlns:a="http://schemas.openxmlformats.org/drawingml/2006/main" xmlns:r="http://schemas.openxmlformats.org/officeDocument/2006/relationships" xmlns:p="http://schemas.openxmlformats.org/presentationml/2006/main" showMasterSp="0" type="obj" preserve="1">
   <p:cSld name="Title and Content">
     <p:bg>
       <p:bgPr>
@@ -1077,7 +1374,9 @@
         <p:txBody>
           <a:bodyPr wrap="square" lIns="0" tIns="0" rIns="0" bIns="0" rtlCol="0"/>
           <a:lstStyle/>
-          <a:p/>
+          <a:p>
+            <a:endParaRPr/>
+          </a:p>
         </p:txBody>
       </p:sp>
       <p:sp>
@@ -1104,7 +1403,9 @@
               </a:defRPr>
             </a:lvl1pPr>
           </a:lstStyle>
-          <a:p/>
+          <a:p>
+            <a:endParaRPr/>
+          </a:p>
         </p:txBody>
       </p:sp>
       <p:sp>
@@ -1125,7 +1426,9 @@
               <a:defRPr/>
             </a:lvl1pPr>
           </a:lstStyle>
-          <a:p/>
+          <a:p>
+            <a:endParaRPr/>
+          </a:p>
         </p:txBody>
       </p:sp>
       <p:sp>
@@ -1152,7 +1455,9 @@
               </a:defRPr>
             </a:lvl1pPr>
           </a:lstStyle>
-          <a:p/>
+          <a:p>
+            <a:endParaRPr/>
+          </a:p>
         </p:txBody>
       </p:sp>
       <p:sp>
@@ -1182,6 +1487,7 @@
           <a:p>
             <a:fld id="{1D8BD707-D9CF-40AE-B4C6-C98DA3205C09}" type="datetimeFigureOut">
               <a:rPr lang="en-US"/>
+              <a:t>8/16/2023</a:t>
             </a:fld>
             <a:endParaRPr lang="en-US"/>
           </a:p>
@@ -1214,6 +1520,7 @@
           <a:p>
             <a:fld id="{B6F15528-21DE-4FAA-801E-634DDDAF4B2B}" type="slidenum">
               <a:rPr/>
+              <a:t>‹#›</a:t>
             </a:fld>
             <a:endParaRPr/>
           </a:p>
@@ -1269,7 +1576,9 @@
               </a:defRPr>
             </a:lvl1pPr>
           </a:lstStyle>
-          <a:p/>
+          <a:p>
+            <a:endParaRPr/>
+          </a:p>
         </p:txBody>
       </p:sp>
       <p:sp>
@@ -1300,7 +1609,9 @@
               <a:defRPr/>
             </a:lvl1pPr>
           </a:lstStyle>
-          <a:p/>
+          <a:p>
+            <a:endParaRPr/>
+          </a:p>
         </p:txBody>
       </p:sp>
       <p:sp>
@@ -1331,7 +1642,9 @@
               <a:defRPr/>
             </a:lvl1pPr>
           </a:lstStyle>
-          <a:p/>
+          <a:p>
+            <a:endParaRPr/>
+          </a:p>
         </p:txBody>
       </p:sp>
       <p:sp>
@@ -1358,7 +1671,9 @@
               </a:defRPr>
             </a:lvl1pPr>
           </a:lstStyle>
-          <a:p/>
+          <a:p>
+            <a:endParaRPr/>
+          </a:p>
         </p:txBody>
       </p:sp>
       <p:sp>
@@ -1388,6 +1703,7 @@
           <a:p>
             <a:fld id="{1D8BD707-D9CF-40AE-B4C6-C98DA3205C09}" type="datetimeFigureOut">
               <a:rPr lang="en-US"/>
+              <a:t>8/16/2023</a:t>
             </a:fld>
             <a:endParaRPr lang="en-US"/>
           </a:p>
@@ -1420,6 +1736,7 @@
           <a:p>
             <a:fld id="{B6F15528-21DE-4FAA-801E-634DDDAF4B2B}" type="slidenum">
               <a:rPr/>
+              <a:t>‹#›</a:t>
             </a:fld>
             <a:endParaRPr/>
           </a:p>
@@ -1475,7 +1792,9 @@
               </a:defRPr>
             </a:lvl1pPr>
           </a:lstStyle>
-          <a:p/>
+          <a:p>
+            <a:endParaRPr/>
+          </a:p>
         </p:txBody>
       </p:sp>
       <p:sp>
@@ -1502,7 +1821,9 @@
               </a:defRPr>
             </a:lvl1pPr>
           </a:lstStyle>
-          <a:p/>
+          <a:p>
+            <a:endParaRPr/>
+          </a:p>
         </p:txBody>
       </p:sp>
       <p:sp>
@@ -1532,6 +1853,7 @@
           <a:p>
             <a:fld id="{1D8BD707-D9CF-40AE-B4C6-C98DA3205C09}" type="datetimeFigureOut">
               <a:rPr lang="en-US"/>
+              <a:t>8/16/2023</a:t>
             </a:fld>
             <a:endParaRPr lang="en-US"/>
           </a:p>
@@ -1564,6 +1886,7 @@
           <a:p>
             <a:fld id="{B6F15528-21DE-4FAA-801E-634DDDAF4B2B}" type="slidenum">
               <a:rPr/>
+              <a:t>‹#›</a:t>
             </a:fld>
             <a:endParaRPr/>
           </a:p>
@@ -1619,7 +1942,9 @@
               </a:defRPr>
             </a:lvl1pPr>
           </a:lstStyle>
-          <a:p/>
+          <a:p>
+            <a:endParaRPr/>
+          </a:p>
         </p:txBody>
       </p:sp>
       <p:sp>
@@ -1649,6 +1974,7 @@
           <a:p>
             <a:fld id="{1D8BD707-D9CF-40AE-B4C6-C98DA3205C09}" type="datetimeFigureOut">
               <a:rPr lang="en-US"/>
+              <a:t>8/16/2023</a:t>
             </a:fld>
             <a:endParaRPr lang="en-US"/>
           </a:p>
@@ -1681,6 +2007,7 @@
           <a:p>
             <a:fld id="{B6F15528-21DE-4FAA-801E-634DDDAF4B2B}" type="slidenum">
               <a:rPr/>
+              <a:t>‹#›</a:t>
             </a:fld>
             <a:endParaRPr/>
           </a:p>
@@ -1727,7 +2054,7 @@
           <p:nvPr/>
         </p:nvPicPr>
         <p:blipFill>
-          <a:blip r:embed="rId6" cstate="print"/>
+          <a:blip r:embed="rId7" cstate="print"/>
           <a:srcRect b="5546"/>
           <a:stretch>
             <a:fillRect/>
@@ -2112,7 +2439,9 @@
         <p:txBody>
           <a:bodyPr wrap="square" lIns="0" tIns="0" rIns="0" bIns="0" rtlCol="0"/>
           <a:lstStyle/>
-          <a:p/>
+          <a:p>
+            <a:endParaRPr/>
+          </a:p>
         </p:txBody>
       </p:sp>
       <p:sp>
@@ -2316,7 +2645,9 @@
         <p:txBody>
           <a:bodyPr wrap="square" lIns="0" tIns="0" rIns="0" bIns="0" rtlCol="0"/>
           <a:lstStyle/>
-          <a:p/>
+          <a:p>
+            <a:endParaRPr/>
+          </a:p>
         </p:txBody>
       </p:sp>
       <p:sp>
@@ -2353,7 +2684,9 @@
               </a:defRPr>
             </a:lvl1pPr>
           </a:lstStyle>
-          <a:p/>
+          <a:p>
+            <a:endParaRPr/>
+          </a:p>
         </p:txBody>
       </p:sp>
       <p:sp>
@@ -2384,7 +2717,9 @@
               <a:defRPr/>
             </a:lvl1pPr>
           </a:lstStyle>
-          <a:p/>
+          <a:p>
+            <a:endParaRPr/>
+          </a:p>
         </p:txBody>
       </p:sp>
       <p:sp>
@@ -2421,7 +2756,9 @@
               </a:defRPr>
             </a:lvl1pPr>
           </a:lstStyle>
-          <a:p/>
+          <a:p>
+            <a:endParaRPr/>
+          </a:p>
         </p:txBody>
       </p:sp>
       <p:sp>
@@ -2461,6 +2798,7 @@
           <a:p>
             <a:fld id="{1D8BD707-D9CF-40AE-B4C6-C98DA3205C09}" type="datetimeFigureOut">
               <a:rPr lang="en-US"/>
+              <a:t>8/16/2023</a:t>
             </a:fld>
             <a:endParaRPr lang="en-US"/>
           </a:p>
@@ -2503,6 +2841,7 @@
           <a:p>
             <a:fld id="{B6F15528-21DE-4FAA-801E-634DDDAF4B2B}" type="slidenum">
               <a:rPr/>
+              <a:t>‹#›</a:t>
             </a:fld>
             <a:endParaRPr/>
           </a:p>
@@ -2890,9 +3229,976 @@
         <p:spPr/>
         <p:txBody>
           <a:bodyPr/>
+          <a:lstStyle/>
           <a:p>
             <a:fld id="{B6F15528-21DE-4FAA-801E-634DDDAF4B2B}" type="slidenum">
               <a:rPr/>
+              <a:t>1</a:t>
+            </a:fld>
+            <a:endParaRPr/>
+          </a:p>
+        </p:txBody>
+      </p:sp>
+    </p:spTree>
+  </p:cSld>
+  <p:clrMapOvr>
+    <a:masterClrMapping/>
+  </p:clrMapOvr>
+  <p:transition>
+    <p:fade/>
+  </p:transition>
+</p:sld>
+</file>
+
+<file path=ppt/slides/slide10.xml><?xml version="1.0" encoding="utf-8"?>
+<p:sld xmlns:a="http://schemas.openxmlformats.org/drawingml/2006/main" xmlns:r="http://schemas.openxmlformats.org/officeDocument/2006/relationships" xmlns:p="http://schemas.openxmlformats.org/presentationml/2006/main">
+  <p:cSld>
+    <p:spTree>
+      <p:nvGrpSpPr>
+        <p:cNvPr id="1" name=""/>
+        <p:cNvGrpSpPr/>
+        <p:nvPr/>
+      </p:nvGrpSpPr>
+      <p:grpSpPr>
+        <a:xfrm>
+          <a:off x="0" y="0"/>
+          <a:ext cx="0" cy="0"/>
+          <a:chOff x="0" y="0"/>
+          <a:chExt cx="0" cy="0"/>
+        </a:xfrm>
+      </p:grpSpPr>
+      <p:sp>
+        <p:nvSpPr>
+          <p:cNvPr id="2" name="object 2"/>
+          <p:cNvSpPr txBox="1">
+            <a:spLocks noGrp="1"/>
+          </p:cNvSpPr>
+          <p:nvPr>
+            <p:ph type="title"/>
+          </p:nvPr>
+        </p:nvSpPr>
+        <p:spPr>
+          <a:prstGeom prst="rect">
+            <a:avLst/>
+          </a:prstGeom>
+        </p:spPr>
+        <p:txBody>
+          <a:bodyPr vert="horz" wrap="square" lIns="0" tIns="12700" rIns="0" bIns="0" rtlCol="0">
+            <a:spAutoFit/>
+          </a:bodyPr>
+          <a:lstStyle/>
+          <a:p>
+            <a:pPr marL="363855">
+              <a:lnSpc>
+                <a:spcPts val="8455"/>
+              </a:lnSpc>
+              <a:spcBef>
+                <a:spcPts val="100"/>
+              </a:spcBef>
+            </a:pPr>
+            <a:r>
+              <a:rPr spc="400" dirty="0"/>
+              <a:t>D</a:t>
+            </a:r>
+            <a:r>
+              <a:rPr spc="-315" dirty="0"/>
+              <a:t>e</a:t>
+            </a:r>
+            <a:r>
+              <a:rPr spc="45" dirty="0"/>
+              <a:t>mo</a:t>
+            </a:r>
+          </a:p>
+          <a:p>
+            <a:pPr marL="471805">
+              <a:lnSpc>
+                <a:spcPts val="3655"/>
+              </a:lnSpc>
+            </a:pPr>
+            <a:r>
+              <a:rPr lang="en-US" sz="3200" i="1" spc="-160" dirty="0">
+                <a:latin typeface="Trebuchet MS" panose="020B0603020202020204"/>
+                <a:cs typeface="Trebuchet MS" panose="020B0603020202020204"/>
+              </a:rPr>
+              <a:t>Dimensions</a:t>
+            </a:r>
+            <a:endParaRPr sz="3200" dirty="0">
+              <a:latin typeface="Trebuchet MS" panose="020B0603020202020204"/>
+              <a:cs typeface="Trebuchet MS" panose="020B0603020202020204"/>
+            </a:endParaRPr>
+          </a:p>
+        </p:txBody>
+      </p:sp>
+      <p:sp>
+        <p:nvSpPr>
+          <p:cNvPr id="3" name="Slide Number Placeholder 2"/>
+          <p:cNvSpPr>
+            <a:spLocks noGrp="1"/>
+          </p:cNvSpPr>
+          <p:nvPr>
+            <p:ph type="sldNum" sz="quarter" idx="7"/>
+          </p:nvPr>
+        </p:nvSpPr>
+        <p:spPr/>
+        <p:txBody>
+          <a:bodyPr/>
+          <a:lstStyle/>
+          <a:p>
+            <a:fld id="{B6F15528-21DE-4FAA-801E-634DDDAF4B2B}" type="slidenum">
+              <a:rPr/>
+              <a:t>10</a:t>
+            </a:fld>
+            <a:endParaRPr/>
+          </a:p>
+        </p:txBody>
+      </p:sp>
+      <p:pic>
+        <p:nvPicPr>
+          <p:cNvPr id="5" name="Picture 4">
+            <a:extLst>
+              <a:ext uri="{FF2B5EF4-FFF2-40B4-BE49-F238E27FC236}">
+                <a16:creationId xmlns:a16="http://schemas.microsoft.com/office/drawing/2014/main" id="{2774A665-27AA-CD0F-9C15-3D5AD11F1EAC}"/>
+              </a:ext>
+            </a:extLst>
+          </p:cNvPr>
+          <p:cNvPicPr>
+            <a:picLocks noChangeAspect="1"/>
+          </p:cNvPicPr>
+          <p:nvPr/>
+        </p:nvPicPr>
+        <p:blipFill>
+          <a:blip r:embed="rId3"/>
+          <a:stretch>
+            <a:fillRect/>
+          </a:stretch>
+        </p:blipFill>
+        <p:spPr>
+          <a:xfrm>
+            <a:off x="-13355" y="533400"/>
+            <a:ext cx="5090601" cy="3543607"/>
+          </a:xfrm>
+          <a:prstGeom prst="rect">
+            <a:avLst/>
+          </a:prstGeom>
+        </p:spPr>
+      </p:pic>
+    </p:spTree>
+    <p:extLst>
+      <p:ext uri="{BB962C8B-B14F-4D97-AF65-F5344CB8AC3E}">
+        <p14:creationId xmlns:p14="http://schemas.microsoft.com/office/powerpoint/2010/main" val="2815340935"/>
+      </p:ext>
+    </p:extLst>
+  </p:cSld>
+  <p:clrMapOvr>
+    <a:masterClrMapping/>
+  </p:clrMapOvr>
+  <p:transition>
+    <p:fade/>
+  </p:transition>
+</p:sld>
+</file>
+
+<file path=ppt/slides/slide11.xml><?xml version="1.0" encoding="utf-8"?>
+<p:sld xmlns:a="http://schemas.openxmlformats.org/drawingml/2006/main" xmlns:r="http://schemas.openxmlformats.org/officeDocument/2006/relationships" xmlns:p="http://schemas.openxmlformats.org/presentationml/2006/main" showMasterSp="0">
+  <p:cSld>
+    <p:spTree>
+      <p:nvGrpSpPr>
+        <p:cNvPr id="1" name=""/>
+        <p:cNvGrpSpPr/>
+        <p:nvPr/>
+      </p:nvGrpSpPr>
+      <p:grpSpPr>
+        <a:xfrm>
+          <a:off x="0" y="0"/>
+          <a:ext cx="0" cy="0"/>
+          <a:chOff x="0" y="0"/>
+          <a:chExt cx="0" cy="0"/>
+        </a:xfrm>
+      </p:grpSpPr>
+      <p:pic>
+        <p:nvPicPr>
+          <p:cNvPr id="2" name="object 2"/>
+          <p:cNvPicPr/>
+          <p:nvPr/>
+        </p:nvPicPr>
+        <p:blipFill>
+          <a:blip r:embed="rId3" cstate="print"/>
+          <a:srcRect b="6243"/>
+          <a:stretch>
+            <a:fillRect/>
+          </a:stretch>
+        </p:blipFill>
+        <p:spPr>
+          <a:xfrm>
+            <a:off x="18415" y="8890"/>
+            <a:ext cx="12173585" cy="6849110"/>
+          </a:xfrm>
+          <a:prstGeom prst="rect">
+            <a:avLst/>
+          </a:prstGeom>
+        </p:spPr>
+      </p:pic>
+      <p:sp>
+        <p:nvSpPr>
+          <p:cNvPr id="3" name="object 3"/>
+          <p:cNvSpPr/>
+          <p:nvPr/>
+        </p:nvSpPr>
+        <p:spPr>
+          <a:xfrm>
+            <a:off x="623316" y="5507735"/>
+            <a:ext cx="10968990" cy="0"/>
+          </a:xfrm>
+          <a:custGeom>
+            <a:avLst/>
+            <a:gdLst/>
+            <a:ahLst/>
+            <a:cxnLst/>
+            <a:rect l="l" t="t" r="r" b="b"/>
+            <a:pathLst>
+              <a:path w="10968990">
+                <a:moveTo>
+                  <a:pt x="0" y="0"/>
+                </a:moveTo>
+                <a:lnTo>
+                  <a:pt x="10968431" y="0"/>
+                </a:lnTo>
+              </a:path>
+            </a:pathLst>
+          </a:custGeom>
+          <a:ln w="9144">
+            <a:solidFill>
+              <a:srgbClr val="C0C0C0"/>
+            </a:solidFill>
+          </a:ln>
+        </p:spPr>
+        <p:txBody>
+          <a:bodyPr wrap="square" lIns="0" tIns="0" rIns="0" bIns="0" rtlCol="0"/>
+          <a:lstStyle/>
+          <a:p>
+            <a:endParaRPr/>
+          </a:p>
+        </p:txBody>
+      </p:sp>
+      <p:sp>
+        <p:nvSpPr>
+          <p:cNvPr id="4" name="object 4"/>
+          <p:cNvSpPr/>
+          <p:nvPr/>
+        </p:nvSpPr>
+        <p:spPr>
+          <a:xfrm>
+            <a:off x="623316" y="1054608"/>
+            <a:ext cx="10968990" cy="0"/>
+          </a:xfrm>
+          <a:custGeom>
+            <a:avLst/>
+            <a:gdLst/>
+            <a:ahLst/>
+            <a:cxnLst/>
+            <a:rect l="l" t="t" r="r" b="b"/>
+            <a:pathLst>
+              <a:path w="10968990">
+                <a:moveTo>
+                  <a:pt x="0" y="0"/>
+                </a:moveTo>
+                <a:lnTo>
+                  <a:pt x="10968431" y="0"/>
+                </a:lnTo>
+              </a:path>
+            </a:pathLst>
+          </a:custGeom>
+          <a:ln w="6096">
+            <a:solidFill>
+              <a:srgbClr val="C0C0C0"/>
+            </a:solidFill>
+          </a:ln>
+        </p:spPr>
+        <p:txBody>
+          <a:bodyPr wrap="square" lIns="0" tIns="0" rIns="0" bIns="0" rtlCol="0"/>
+          <a:lstStyle/>
+          <a:p>
+            <a:endParaRPr/>
+          </a:p>
+        </p:txBody>
+      </p:sp>
+      <p:sp>
+        <p:nvSpPr>
+          <p:cNvPr id="5" name="object 5"/>
+          <p:cNvSpPr txBox="1">
+            <a:spLocks noGrp="1"/>
+          </p:cNvSpPr>
+          <p:nvPr>
+            <p:ph type="title"/>
+          </p:nvPr>
+        </p:nvSpPr>
+        <p:spPr>
+          <a:xfrm>
+            <a:off x="4561937" y="2338339"/>
+            <a:ext cx="3088005" cy="939800"/>
+          </a:xfrm>
+          <a:prstGeom prst="rect">
+            <a:avLst/>
+          </a:prstGeom>
+        </p:spPr>
+        <p:txBody>
+          <a:bodyPr vert="horz" wrap="square" lIns="0" tIns="12700" rIns="0" bIns="0" rtlCol="0">
+            <a:spAutoFit/>
+          </a:bodyPr>
+          <a:lstStyle/>
+          <a:p>
+            <a:pPr marL="12700">
+              <a:lnSpc>
+                <a:spcPct val="100000"/>
+              </a:lnSpc>
+              <a:spcBef>
+                <a:spcPts val="100"/>
+              </a:spcBef>
+            </a:pPr>
+            <a:r>
+              <a:rPr sz="6000" spc="-70" dirty="0">
+                <a:solidFill>
+                  <a:srgbClr val="58595B"/>
+                </a:solidFill>
+              </a:rPr>
+              <a:t>Summary</a:t>
+            </a:r>
+            <a:endParaRPr sz="6000"/>
+          </a:p>
+        </p:txBody>
+      </p:sp>
+      <p:sp>
+        <p:nvSpPr>
+          <p:cNvPr id="6" name="Slide Number Placeholder 5"/>
+          <p:cNvSpPr>
+            <a:spLocks noGrp="1"/>
+          </p:cNvSpPr>
+          <p:nvPr>
+            <p:ph type="sldNum" sz="quarter" idx="7"/>
+          </p:nvPr>
+        </p:nvSpPr>
+        <p:spPr/>
+        <p:txBody>
+          <a:bodyPr/>
+          <a:lstStyle/>
+          <a:p>
+            <a:fld id="{B6F15528-21DE-4FAA-801E-634DDDAF4B2B}" type="slidenum">
+              <a:rPr/>
+              <a:t>11</a:t>
+            </a:fld>
+            <a:endParaRPr/>
+          </a:p>
+        </p:txBody>
+      </p:sp>
+    </p:spTree>
+  </p:cSld>
+  <p:clrMapOvr>
+    <a:masterClrMapping/>
+  </p:clrMapOvr>
+  <p:transition>
+    <p:fade/>
+  </p:transition>
+</p:sld>
+</file>
+
+<file path=ppt/slides/slide12.xml><?xml version="1.0" encoding="utf-8"?>
+<p:sld xmlns:a="http://schemas.openxmlformats.org/drawingml/2006/main" xmlns:r="http://schemas.openxmlformats.org/officeDocument/2006/relationships" xmlns:p="http://schemas.openxmlformats.org/presentationml/2006/main" showMasterSp="0">
+  <p:cSld>
+    <p:spTree>
+      <p:nvGrpSpPr>
+        <p:cNvPr id="1" name=""/>
+        <p:cNvGrpSpPr/>
+        <p:nvPr/>
+      </p:nvGrpSpPr>
+      <p:grpSpPr>
+        <a:xfrm>
+          <a:off x="0" y="0"/>
+          <a:ext cx="0" cy="0"/>
+          <a:chOff x="0" y="0"/>
+          <a:chExt cx="0" cy="0"/>
+        </a:xfrm>
+      </p:grpSpPr>
+      <p:pic>
+        <p:nvPicPr>
+          <p:cNvPr id="2" name="object 2"/>
+          <p:cNvPicPr/>
+          <p:nvPr/>
+        </p:nvPicPr>
+        <p:blipFill>
+          <a:blip r:embed="rId3" cstate="print"/>
+          <a:srcRect b="7569"/>
+          <a:stretch>
+            <a:fillRect/>
+          </a:stretch>
+        </p:blipFill>
+        <p:spPr>
+          <a:xfrm>
+            <a:off x="18415" y="8890"/>
+            <a:ext cx="12173585" cy="6849110"/>
+          </a:xfrm>
+          <a:prstGeom prst="rect">
+            <a:avLst/>
+          </a:prstGeom>
+        </p:spPr>
+      </p:pic>
+      <p:sp>
+        <p:nvSpPr>
+          <p:cNvPr id="3" name="object 3"/>
+          <p:cNvSpPr/>
+          <p:nvPr/>
+        </p:nvSpPr>
+        <p:spPr>
+          <a:xfrm>
+            <a:off x="4062221" y="2359914"/>
+            <a:ext cx="0" cy="2008505"/>
+          </a:xfrm>
+          <a:custGeom>
+            <a:avLst/>
+            <a:gdLst/>
+            <a:ahLst/>
+            <a:cxnLst/>
+            <a:rect l="l" t="t" r="r" b="b"/>
+            <a:pathLst>
+              <a:path h="2008504">
+                <a:moveTo>
+                  <a:pt x="0" y="0"/>
+                </a:moveTo>
+                <a:lnTo>
+                  <a:pt x="0" y="2008251"/>
+                </a:lnTo>
+              </a:path>
+            </a:pathLst>
+          </a:custGeom>
+          <a:ln w="22860">
+            <a:solidFill>
+              <a:srgbClr val="79A14C"/>
+            </a:solidFill>
+          </a:ln>
+        </p:spPr>
+        <p:txBody>
+          <a:bodyPr wrap="square" lIns="0" tIns="0" rIns="0" bIns="0" rtlCol="0"/>
+          <a:lstStyle/>
+          <a:p>
+            <a:endParaRPr/>
+          </a:p>
+        </p:txBody>
+      </p:sp>
+      <p:sp>
+        <p:nvSpPr>
+          <p:cNvPr id="4" name="object 4"/>
+          <p:cNvSpPr txBox="1">
+            <a:spLocks noGrp="1"/>
+          </p:cNvSpPr>
+          <p:nvPr>
+            <p:ph type="title"/>
+          </p:nvPr>
+        </p:nvSpPr>
+        <p:spPr>
+          <a:xfrm>
+            <a:off x="4466166" y="2641685"/>
+            <a:ext cx="5795010" cy="1367790"/>
+          </a:xfrm>
+          <a:prstGeom prst="rect">
+            <a:avLst/>
+          </a:prstGeom>
+        </p:spPr>
+        <p:txBody>
+          <a:bodyPr vert="horz" wrap="square" lIns="0" tIns="13335" rIns="0" bIns="0" rtlCol="0">
+            <a:spAutoFit/>
+          </a:bodyPr>
+          <a:lstStyle/>
+          <a:p>
+            <a:pPr marL="12700" marR="5080">
+              <a:lnSpc>
+                <a:spcPct val="100000"/>
+              </a:lnSpc>
+              <a:spcBef>
+                <a:spcPts val="105"/>
+              </a:spcBef>
+            </a:pPr>
+            <a:r>
+              <a:rPr sz="4400" spc="225" dirty="0">
+                <a:solidFill>
+                  <a:srgbClr val="58595B"/>
+                </a:solidFill>
+              </a:rPr>
+              <a:t>D</a:t>
+            </a:r>
+            <a:r>
+              <a:rPr sz="4400" spc="-250" dirty="0">
+                <a:solidFill>
+                  <a:srgbClr val="58595B"/>
+                </a:solidFill>
+              </a:rPr>
+              <a:t>i</a:t>
+            </a:r>
+            <a:r>
+              <a:rPr sz="4400" spc="-325" dirty="0">
+                <a:solidFill>
+                  <a:srgbClr val="58595B"/>
+                </a:solidFill>
+              </a:rPr>
+              <a:t>f</a:t>
+            </a:r>
+            <a:r>
+              <a:rPr sz="4400" spc="-409" dirty="0">
+                <a:solidFill>
+                  <a:srgbClr val="58595B"/>
+                </a:solidFill>
+              </a:rPr>
+              <a:t>f</a:t>
+            </a:r>
+            <a:r>
+              <a:rPr sz="4400" spc="-275" dirty="0">
+                <a:solidFill>
+                  <a:srgbClr val="58595B"/>
+                </a:solidFill>
+              </a:rPr>
+              <a:t>e</a:t>
+            </a:r>
+            <a:r>
+              <a:rPr sz="4400" spc="-245" dirty="0">
+                <a:solidFill>
+                  <a:srgbClr val="58595B"/>
+                </a:solidFill>
+              </a:rPr>
+              <a:t>r</a:t>
+            </a:r>
+            <a:r>
+              <a:rPr sz="4400" spc="-80" dirty="0">
+                <a:solidFill>
+                  <a:srgbClr val="58595B"/>
+                </a:solidFill>
+              </a:rPr>
+              <a:t>en</a:t>
+            </a:r>
+            <a:r>
+              <a:rPr sz="4400" spc="-240" dirty="0">
+                <a:solidFill>
+                  <a:srgbClr val="58595B"/>
+                </a:solidFill>
+              </a:rPr>
+              <a:t>c</a:t>
+            </a:r>
+            <a:r>
+              <a:rPr sz="4400" spc="-120" dirty="0">
+                <a:solidFill>
+                  <a:srgbClr val="58595B"/>
+                </a:solidFill>
+              </a:rPr>
+              <a:t>es</a:t>
+            </a:r>
+            <a:r>
+              <a:rPr sz="4400" spc="-420" dirty="0">
+                <a:solidFill>
+                  <a:srgbClr val="58595B"/>
+                </a:solidFill>
+              </a:rPr>
+              <a:t> </a:t>
+            </a:r>
+            <a:r>
+              <a:rPr sz="4400" spc="-40" dirty="0">
+                <a:solidFill>
+                  <a:srgbClr val="58595B"/>
+                </a:solidFill>
+              </a:rPr>
+              <a:t>am</a:t>
+            </a:r>
+            <a:r>
+              <a:rPr sz="4400" spc="-45" dirty="0">
+                <a:solidFill>
+                  <a:srgbClr val="58595B"/>
+                </a:solidFill>
+              </a:rPr>
+              <a:t>o</a:t>
+            </a:r>
+            <a:r>
+              <a:rPr sz="4400" spc="40" dirty="0">
+                <a:solidFill>
+                  <a:srgbClr val="58595B"/>
+                </a:solidFill>
+              </a:rPr>
+              <a:t>n</a:t>
+            </a:r>
+            <a:r>
+              <a:rPr sz="4400" spc="250" dirty="0">
+                <a:solidFill>
+                  <a:srgbClr val="58595B"/>
+                </a:solidFill>
+              </a:rPr>
+              <a:t>g</a:t>
+            </a:r>
+            <a:r>
+              <a:rPr sz="4400" spc="-405" dirty="0">
+                <a:solidFill>
+                  <a:srgbClr val="58595B"/>
+                </a:solidFill>
+              </a:rPr>
+              <a:t> </a:t>
+            </a:r>
+            <a:r>
+              <a:rPr sz="4400" spc="-95" dirty="0">
+                <a:solidFill>
+                  <a:srgbClr val="58595B"/>
+                </a:solidFill>
+              </a:rPr>
+              <a:t>in</a:t>
+            </a:r>
+            <a:r>
+              <a:rPr sz="4400" spc="35" dirty="0">
+                <a:solidFill>
+                  <a:srgbClr val="58595B"/>
+                </a:solidFill>
+              </a:rPr>
+              <a:t>p</a:t>
+            </a:r>
+            <a:r>
+              <a:rPr sz="4400" spc="30" dirty="0">
+                <a:solidFill>
+                  <a:srgbClr val="58595B"/>
+                </a:solidFill>
+              </a:rPr>
+              <a:t>u</a:t>
+            </a:r>
+            <a:r>
+              <a:rPr sz="4400" spc="-245" dirty="0">
+                <a:solidFill>
+                  <a:srgbClr val="58595B"/>
+                </a:solidFill>
+              </a:rPr>
+              <a:t>t  </a:t>
+            </a:r>
+            <a:r>
+              <a:rPr sz="4400" spc="-110" dirty="0">
+                <a:solidFill>
+                  <a:srgbClr val="58595B"/>
+                </a:solidFill>
+              </a:rPr>
+              <a:t>types</a:t>
+            </a:r>
+            <a:endParaRPr sz="4400"/>
+          </a:p>
+        </p:txBody>
+      </p:sp>
+      <p:pic>
+        <p:nvPicPr>
+          <p:cNvPr id="5" name="object 5"/>
+          <p:cNvPicPr/>
+          <p:nvPr/>
+        </p:nvPicPr>
+        <p:blipFill>
+          <a:blip r:embed="rId4" cstate="print"/>
+          <a:stretch>
+            <a:fillRect/>
+          </a:stretch>
+        </p:blipFill>
+        <p:spPr>
+          <a:xfrm>
+            <a:off x="1632204" y="2353055"/>
+            <a:ext cx="2011679" cy="2011679"/>
+          </a:xfrm>
+          <a:prstGeom prst="rect">
+            <a:avLst/>
+          </a:prstGeom>
+        </p:spPr>
+      </p:pic>
+      <p:sp>
+        <p:nvSpPr>
+          <p:cNvPr id="6" name="Slide Number Placeholder 5"/>
+          <p:cNvSpPr>
+            <a:spLocks noGrp="1"/>
+          </p:cNvSpPr>
+          <p:nvPr>
+            <p:ph type="sldNum" sz="quarter" idx="7"/>
+          </p:nvPr>
+        </p:nvSpPr>
+        <p:spPr/>
+        <p:txBody>
+          <a:bodyPr/>
+          <a:lstStyle/>
+          <a:p>
+            <a:fld id="{B6F15528-21DE-4FAA-801E-634DDDAF4B2B}" type="slidenum">
+              <a:rPr/>
+              <a:t>12</a:t>
+            </a:fld>
+            <a:endParaRPr/>
+          </a:p>
+        </p:txBody>
+      </p:sp>
+    </p:spTree>
+  </p:cSld>
+  <p:clrMapOvr>
+    <a:masterClrMapping/>
+  </p:clrMapOvr>
+  <p:transition>
+    <p:fade/>
+  </p:transition>
+</p:sld>
+</file>
+
+<file path=ppt/slides/slide13.xml><?xml version="1.0" encoding="utf-8"?>
+<p:sld xmlns:a="http://schemas.openxmlformats.org/drawingml/2006/main" xmlns:r="http://schemas.openxmlformats.org/officeDocument/2006/relationships" xmlns:p="http://schemas.openxmlformats.org/presentationml/2006/main" showMasterSp="0">
+  <p:cSld>
+    <p:spTree>
+      <p:nvGrpSpPr>
+        <p:cNvPr id="1" name=""/>
+        <p:cNvGrpSpPr/>
+        <p:nvPr/>
+      </p:nvGrpSpPr>
+      <p:grpSpPr>
+        <a:xfrm>
+          <a:off x="0" y="0"/>
+          <a:ext cx="0" cy="0"/>
+          <a:chOff x="0" y="0"/>
+          <a:chExt cx="0" cy="0"/>
+        </a:xfrm>
+      </p:grpSpPr>
+      <p:pic>
+        <p:nvPicPr>
+          <p:cNvPr id="2" name="object 2"/>
+          <p:cNvPicPr/>
+          <p:nvPr/>
+        </p:nvPicPr>
+        <p:blipFill>
+          <a:blip r:embed="rId3" cstate="print"/>
+          <a:srcRect b="6243"/>
+          <a:stretch>
+            <a:fillRect/>
+          </a:stretch>
+        </p:blipFill>
+        <p:spPr>
+          <a:xfrm>
+            <a:off x="18415" y="8890"/>
+            <a:ext cx="12173585" cy="6849110"/>
+          </a:xfrm>
+          <a:prstGeom prst="rect">
+            <a:avLst/>
+          </a:prstGeom>
+        </p:spPr>
+      </p:pic>
+      <p:sp>
+        <p:nvSpPr>
+          <p:cNvPr id="3" name="object 3"/>
+          <p:cNvSpPr/>
+          <p:nvPr/>
+        </p:nvSpPr>
+        <p:spPr>
+          <a:xfrm>
+            <a:off x="4062221" y="2359914"/>
+            <a:ext cx="0" cy="2008505"/>
+          </a:xfrm>
+          <a:custGeom>
+            <a:avLst/>
+            <a:gdLst/>
+            <a:ahLst/>
+            <a:cxnLst/>
+            <a:rect l="l" t="t" r="r" b="b"/>
+            <a:pathLst>
+              <a:path h="2008504">
+                <a:moveTo>
+                  <a:pt x="0" y="0"/>
+                </a:moveTo>
+                <a:lnTo>
+                  <a:pt x="0" y="2008251"/>
+                </a:lnTo>
+              </a:path>
+            </a:pathLst>
+          </a:custGeom>
+          <a:ln w="22860">
+            <a:solidFill>
+              <a:srgbClr val="79A14C"/>
+            </a:solidFill>
+          </a:ln>
+        </p:spPr>
+        <p:txBody>
+          <a:bodyPr wrap="square" lIns="0" tIns="0" rIns="0" bIns="0" rtlCol="0"/>
+          <a:lstStyle/>
+          <a:p>
+            <a:endParaRPr/>
+          </a:p>
+        </p:txBody>
+      </p:sp>
+      <p:sp>
+        <p:nvSpPr>
+          <p:cNvPr id="4" name="object 4"/>
+          <p:cNvSpPr txBox="1">
+            <a:spLocks noGrp="1"/>
+          </p:cNvSpPr>
+          <p:nvPr>
+            <p:ph type="title"/>
+          </p:nvPr>
+        </p:nvSpPr>
+        <p:spPr>
+          <a:xfrm>
+            <a:off x="4466166" y="2976964"/>
+            <a:ext cx="3498215" cy="696595"/>
+          </a:xfrm>
+          <a:prstGeom prst="rect">
+            <a:avLst/>
+          </a:prstGeom>
+        </p:spPr>
+        <p:txBody>
+          <a:bodyPr vert="horz" wrap="square" lIns="0" tIns="13335" rIns="0" bIns="0" rtlCol="0">
+            <a:spAutoFit/>
+          </a:bodyPr>
+          <a:lstStyle/>
+          <a:p>
+            <a:pPr marL="12700">
+              <a:lnSpc>
+                <a:spcPct val="100000"/>
+              </a:lnSpc>
+              <a:spcBef>
+                <a:spcPts val="105"/>
+              </a:spcBef>
+            </a:pPr>
+            <a:r>
+              <a:rPr sz="4400" spc="-415" dirty="0">
+                <a:solidFill>
+                  <a:srgbClr val="58595B"/>
+                </a:solidFill>
+              </a:rPr>
+              <a:t>T</a:t>
+            </a:r>
+            <a:r>
+              <a:rPr sz="4400" spc="40" dirty="0">
+                <a:solidFill>
+                  <a:srgbClr val="58595B"/>
+                </a:solidFill>
+              </a:rPr>
+              <a:t>h</a:t>
+            </a:r>
+            <a:r>
+              <a:rPr sz="4400" spc="-195" dirty="0">
+                <a:solidFill>
+                  <a:srgbClr val="58595B"/>
+                </a:solidFill>
+              </a:rPr>
+              <a:t>e</a:t>
+            </a:r>
+            <a:r>
+              <a:rPr sz="4400" spc="-405" dirty="0">
+                <a:solidFill>
+                  <a:srgbClr val="58595B"/>
+                </a:solidFill>
+              </a:rPr>
+              <a:t> </a:t>
+            </a:r>
+            <a:r>
+              <a:rPr sz="4400" spc="-25" dirty="0">
+                <a:solidFill>
+                  <a:srgbClr val="58595B"/>
+                </a:solidFill>
+              </a:rPr>
+              <a:t>Big</a:t>
+            </a:r>
+            <a:r>
+              <a:rPr sz="4400" spc="-390" dirty="0">
+                <a:solidFill>
+                  <a:srgbClr val="58595B"/>
+                </a:solidFill>
+              </a:rPr>
+              <a:t> </a:t>
+            </a:r>
+            <a:r>
+              <a:rPr sz="4400" spc="-190" dirty="0">
+                <a:solidFill>
+                  <a:srgbClr val="58595B"/>
+                </a:solidFill>
+              </a:rPr>
+              <a:t>P</a:t>
+            </a:r>
+            <a:r>
+              <a:rPr sz="4400" spc="-160" dirty="0">
+                <a:solidFill>
+                  <a:srgbClr val="58595B"/>
+                </a:solidFill>
+              </a:rPr>
+              <a:t>i</a:t>
+            </a:r>
+            <a:r>
+              <a:rPr sz="4400" spc="-220" dirty="0">
+                <a:solidFill>
+                  <a:srgbClr val="58595B"/>
+                </a:solidFill>
+              </a:rPr>
+              <a:t>c</a:t>
+            </a:r>
+            <a:r>
+              <a:rPr sz="4400" spc="-300" dirty="0">
+                <a:solidFill>
+                  <a:srgbClr val="58595B"/>
+                </a:solidFill>
+              </a:rPr>
+              <a:t>t</a:t>
+            </a:r>
+            <a:r>
+              <a:rPr sz="4400" spc="15" dirty="0">
+                <a:solidFill>
+                  <a:srgbClr val="58595B"/>
+                </a:solidFill>
+              </a:rPr>
+              <a:t>u</a:t>
+            </a:r>
+            <a:r>
+              <a:rPr sz="4400" spc="-325" dirty="0">
+                <a:solidFill>
+                  <a:srgbClr val="58595B"/>
+                </a:solidFill>
+              </a:rPr>
+              <a:t>r</a:t>
+            </a:r>
+            <a:r>
+              <a:rPr sz="4400" spc="-195" dirty="0">
+                <a:solidFill>
+                  <a:srgbClr val="58595B"/>
+                </a:solidFill>
+              </a:rPr>
+              <a:t>e</a:t>
+            </a:r>
+            <a:endParaRPr sz="4400"/>
+          </a:p>
+        </p:txBody>
+      </p:sp>
+      <p:pic>
+        <p:nvPicPr>
+          <p:cNvPr id="5" name="object 5"/>
+          <p:cNvPicPr/>
+          <p:nvPr/>
+        </p:nvPicPr>
+        <p:blipFill>
+          <a:blip r:embed="rId4" cstate="print"/>
+          <a:stretch>
+            <a:fillRect/>
+          </a:stretch>
+        </p:blipFill>
+        <p:spPr>
+          <a:xfrm>
+            <a:off x="1632204" y="2575560"/>
+            <a:ext cx="2011679" cy="1568195"/>
+          </a:xfrm>
+          <a:prstGeom prst="rect">
+            <a:avLst/>
+          </a:prstGeom>
+        </p:spPr>
+      </p:pic>
+      <p:sp>
+        <p:nvSpPr>
+          <p:cNvPr id="6" name="Slide Number Placeholder 5"/>
+          <p:cNvSpPr>
+            <a:spLocks noGrp="1"/>
+          </p:cNvSpPr>
+          <p:nvPr>
+            <p:ph type="sldNum" sz="quarter" idx="7"/>
+          </p:nvPr>
+        </p:nvSpPr>
+        <p:spPr/>
+        <p:txBody>
+          <a:bodyPr/>
+          <a:lstStyle/>
+          <a:p>
+            <a:fld id="{B6F15528-21DE-4FAA-801E-634DDDAF4B2B}" type="slidenum">
+              <a:rPr/>
+              <a:t>13</a:t>
             </a:fld>
             <a:endParaRPr/>
           </a:p>
@@ -2963,7 +4269,6 @@
               <a:rPr spc="45" dirty="0"/>
               <a:t>Demo</a:t>
             </a:r>
-            <a:endParaRPr spc="45" dirty="0"/>
           </a:p>
           <a:p>
             <a:pPr algn="ctr">
@@ -3131,9 +4436,11 @@
         <p:spPr/>
         <p:txBody>
           <a:bodyPr/>
+          <a:lstStyle/>
           <a:p>
             <a:fld id="{B6F15528-21DE-4FAA-801E-634DDDAF4B2B}" type="slidenum">
               <a:rPr/>
+              <a:t>2</a:t>
             </a:fld>
             <a:endParaRPr/>
           </a:p>
@@ -3200,7 +4507,6 @@
               <a:rPr spc="45" dirty="0"/>
               <a:t>Demo</a:t>
             </a:r>
-            <a:endParaRPr spc="45" dirty="0"/>
           </a:p>
           <a:p>
             <a:pPr marL="351155" algn="ctr">
@@ -3235,9 +4541,11 @@
         <p:spPr/>
         <p:txBody>
           <a:bodyPr/>
+          <a:lstStyle/>
           <a:p>
             <a:fld id="{B6F15528-21DE-4FAA-801E-634DDDAF4B2B}" type="slidenum">
               <a:rPr/>
+              <a:t>3</a:t>
             </a:fld>
             <a:endParaRPr/>
           </a:p>
@@ -3304,7 +4612,6 @@
               <a:rPr spc="45" dirty="0"/>
               <a:t>Demo</a:t>
             </a:r>
-            <a:endParaRPr spc="45" dirty="0"/>
           </a:p>
           <a:p>
             <a:pPr marL="351155" algn="ctr">
@@ -3339,9 +4646,11 @@
         <p:spPr/>
         <p:txBody>
           <a:bodyPr/>
+          <a:lstStyle/>
           <a:p>
             <a:fld id="{B6F15528-21DE-4FAA-801E-634DDDAF4B2B}" type="slidenum">
               <a:rPr/>
+              <a:t>4</a:t>
             </a:fld>
             <a:endParaRPr/>
           </a:p>
@@ -3416,7 +4725,6 @@
               <a:rPr spc="45" dirty="0"/>
               <a:t>mo</a:t>
             </a:r>
-            <a:endParaRPr spc="45" dirty="0"/>
           </a:p>
           <a:p>
             <a:pPr marL="471805">
@@ -3451,9 +4759,11 @@
         <p:spPr/>
         <p:txBody>
           <a:bodyPr/>
+          <a:lstStyle/>
           <a:p>
             <a:fld id="{B6F15528-21DE-4FAA-801E-634DDDAF4B2B}" type="slidenum">
               <a:rPr/>
+              <a:t>5</a:t>
             </a:fld>
             <a:endParaRPr/>
           </a:p>
@@ -3471,7 +4781,7 @@
 </file>
 
 <file path=ppt/slides/slide6.xml><?xml version="1.0" encoding="utf-8"?>
-<p:sld xmlns:a="http://schemas.openxmlformats.org/drawingml/2006/main" xmlns:r="http://schemas.openxmlformats.org/officeDocument/2006/relationships" xmlns:p="http://schemas.openxmlformats.org/presentationml/2006/main" showMasterSp="0">
+<p:sld xmlns:a="http://schemas.openxmlformats.org/drawingml/2006/main" xmlns:r="http://schemas.openxmlformats.org/officeDocument/2006/relationships" xmlns:p="http://schemas.openxmlformats.org/presentationml/2006/main">
   <p:cSld>
     <p:spTree>
       <p:nvGrpSpPr>
@@ -3487,176 +4797,165 @@
           <a:chExt cx="0" cy="0"/>
         </a:xfrm>
       </p:grpSpPr>
+      <p:sp>
+        <p:nvSpPr>
+          <p:cNvPr id="2" name="object 2"/>
+          <p:cNvSpPr txBox="1">
+            <a:spLocks noGrp="1"/>
+          </p:cNvSpPr>
+          <p:nvPr>
+            <p:ph type="title"/>
+          </p:nvPr>
+        </p:nvSpPr>
+        <p:spPr>
+          <a:xfrm>
+            <a:off x="3810000" y="2133600"/>
+            <a:ext cx="5775257" cy="1577355"/>
+          </a:xfrm>
+          <a:prstGeom prst="rect">
+            <a:avLst/>
+          </a:prstGeom>
+        </p:spPr>
+        <p:txBody>
+          <a:bodyPr vert="horz" wrap="square" lIns="0" tIns="12700" rIns="0" bIns="0" rtlCol="0">
+            <a:spAutoFit/>
+          </a:bodyPr>
+          <a:lstStyle/>
+          <a:p>
+            <a:pPr marL="363855" algn="ctr">
+              <a:lnSpc>
+                <a:spcPts val="8455"/>
+              </a:lnSpc>
+              <a:spcBef>
+                <a:spcPts val="100"/>
+              </a:spcBef>
+            </a:pPr>
+            <a:r>
+              <a:rPr spc="400" dirty="0"/>
+              <a:t>D</a:t>
+            </a:r>
+            <a:r>
+              <a:rPr spc="-315" dirty="0"/>
+              <a:t>e</a:t>
+            </a:r>
+            <a:r>
+              <a:rPr spc="45" dirty="0"/>
+              <a:t>mo</a:t>
+            </a:r>
+          </a:p>
+          <a:p>
+            <a:pPr marL="471805" algn="ctr">
+              <a:lnSpc>
+                <a:spcPts val="3655"/>
+              </a:lnSpc>
+            </a:pPr>
+            <a:r>
+              <a:rPr lang="en-US" sz="3200" i="1" spc="-160" dirty="0"/>
+              <a:t>s</a:t>
+            </a:r>
+            <a:r>
+              <a:rPr lang="en-US" sz="3200" i="1" spc="-160" dirty="0">
+                <a:latin typeface="Trebuchet MS" panose="020B0603020202020204"/>
+                <a:cs typeface="Trebuchet MS" panose="020B0603020202020204"/>
+              </a:rPr>
+              <a:t>top() and animate()</a:t>
+            </a:r>
+            <a:endParaRPr sz="3200" dirty="0">
+              <a:latin typeface="Trebuchet MS" panose="020B0603020202020204"/>
+              <a:cs typeface="Trebuchet MS" panose="020B0603020202020204"/>
+            </a:endParaRPr>
+          </a:p>
+        </p:txBody>
+      </p:sp>
+      <p:sp>
+        <p:nvSpPr>
+          <p:cNvPr id="3" name="Slide Number Placeholder 2"/>
+          <p:cNvSpPr>
+            <a:spLocks noGrp="1"/>
+          </p:cNvSpPr>
+          <p:nvPr>
+            <p:ph type="sldNum" sz="quarter" idx="7"/>
+          </p:nvPr>
+        </p:nvSpPr>
+        <p:spPr/>
+        <p:txBody>
+          <a:bodyPr/>
+          <a:lstStyle/>
+          <a:p>
+            <a:fld id="{B6F15528-21DE-4FAA-801E-634DDDAF4B2B}" type="slidenum">
+              <a:rPr/>
+              <a:t>6</a:t>
+            </a:fld>
+            <a:endParaRPr/>
+          </a:p>
+        </p:txBody>
+      </p:sp>
       <p:pic>
         <p:nvPicPr>
-          <p:cNvPr id="2" name="object 2"/>
-          <p:cNvPicPr/>
+          <p:cNvPr id="5" name="Picture 4">
+            <a:extLst>
+              <a:ext uri="{FF2B5EF4-FFF2-40B4-BE49-F238E27FC236}">
+                <a16:creationId xmlns:a16="http://schemas.microsoft.com/office/drawing/2014/main" id="{FD5CC0E0-0104-3155-DB4B-6A04D72DFFE4}"/>
+              </a:ext>
+            </a:extLst>
+          </p:cNvPr>
+          <p:cNvPicPr>
+            <a:picLocks noChangeAspect="1"/>
+          </p:cNvPicPr>
           <p:nvPr/>
         </p:nvPicPr>
         <p:blipFill>
-          <a:blip r:embed="rId1" cstate="print"/>
-          <a:srcRect b="6243"/>
+          <a:blip r:embed="rId3"/>
           <a:stretch>
             <a:fillRect/>
           </a:stretch>
         </p:blipFill>
         <p:spPr>
           <a:xfrm>
-            <a:off x="18415" y="8890"/>
-            <a:ext cx="12173585" cy="6849110"/>
+            <a:off x="304800" y="4114800"/>
+            <a:ext cx="3825572" cy="518205"/>
           </a:xfrm>
           <a:prstGeom prst="rect">
             <a:avLst/>
           </a:prstGeom>
         </p:spPr>
       </p:pic>
-      <p:sp>
-        <p:nvSpPr>
-          <p:cNvPr id="3" name="object 3"/>
-          <p:cNvSpPr/>
+      <p:pic>
+        <p:nvPicPr>
+          <p:cNvPr id="7" name="Picture 6">
+            <a:extLst>
+              <a:ext uri="{FF2B5EF4-FFF2-40B4-BE49-F238E27FC236}">
+                <a16:creationId xmlns:a16="http://schemas.microsoft.com/office/drawing/2014/main" id="{83A29B8D-7193-F0CF-872D-A97BF1AC5A8A}"/>
+              </a:ext>
+            </a:extLst>
+          </p:cNvPr>
+          <p:cNvPicPr>
+            <a:picLocks noChangeAspect="1"/>
+          </p:cNvPicPr>
           <p:nvPr/>
-        </p:nvSpPr>
+        </p:nvPicPr>
+        <p:blipFill>
+          <a:blip r:embed="rId4"/>
+          <a:stretch>
+            <a:fillRect/>
+          </a:stretch>
+        </p:blipFill>
         <p:spPr>
           <a:xfrm>
-            <a:off x="623316" y="5507735"/>
-            <a:ext cx="10968990" cy="0"/>
-          </a:xfrm>
-          <a:custGeom>
-            <a:avLst/>
-            <a:gdLst/>
-            <a:ahLst/>
-            <a:cxnLst/>
-            <a:rect l="l" t="t" r="r" b="b"/>
-            <a:pathLst>
-              <a:path w="10968990">
-                <a:moveTo>
-                  <a:pt x="0" y="0"/>
-                </a:moveTo>
-                <a:lnTo>
-                  <a:pt x="10968431" y="0"/>
-                </a:lnTo>
-              </a:path>
-            </a:pathLst>
-          </a:custGeom>
-          <a:ln w="9144">
-            <a:solidFill>
-              <a:srgbClr val="C0C0C0"/>
-            </a:solidFill>
-          </a:ln>
-        </p:spPr>
-        <p:txBody>
-          <a:bodyPr wrap="square" lIns="0" tIns="0" rIns="0" bIns="0" rtlCol="0"/>
-          <a:lstStyle/>
-          <a:p/>
-        </p:txBody>
-      </p:sp>
-      <p:sp>
-        <p:nvSpPr>
-          <p:cNvPr id="4" name="object 4"/>
-          <p:cNvSpPr/>
-          <p:nvPr/>
-        </p:nvSpPr>
-        <p:spPr>
-          <a:xfrm>
-            <a:off x="623316" y="1054608"/>
-            <a:ext cx="10968990" cy="0"/>
-          </a:xfrm>
-          <a:custGeom>
-            <a:avLst/>
-            <a:gdLst/>
-            <a:ahLst/>
-            <a:cxnLst/>
-            <a:rect l="l" t="t" r="r" b="b"/>
-            <a:pathLst>
-              <a:path w="10968990">
-                <a:moveTo>
-                  <a:pt x="0" y="0"/>
-                </a:moveTo>
-                <a:lnTo>
-                  <a:pt x="10968431" y="0"/>
-                </a:lnTo>
-              </a:path>
-            </a:pathLst>
-          </a:custGeom>
-          <a:ln w="6096">
-            <a:solidFill>
-              <a:srgbClr val="C0C0C0"/>
-            </a:solidFill>
-          </a:ln>
-        </p:spPr>
-        <p:txBody>
-          <a:bodyPr wrap="square" lIns="0" tIns="0" rIns="0" bIns="0" rtlCol="0"/>
-          <a:lstStyle/>
-          <a:p/>
-        </p:txBody>
-      </p:sp>
-      <p:sp>
-        <p:nvSpPr>
-          <p:cNvPr id="5" name="object 5"/>
-          <p:cNvSpPr txBox="1">
-            <a:spLocks noGrp="1"/>
-          </p:cNvSpPr>
-          <p:nvPr>
-            <p:ph type="title"/>
-          </p:nvPr>
-        </p:nvSpPr>
-        <p:spPr>
-          <a:xfrm>
-            <a:off x="4561937" y="2338339"/>
-            <a:ext cx="3088005" cy="939800"/>
+            <a:off x="4126444" y="5105400"/>
+            <a:ext cx="3779848" cy="624894"/>
           </a:xfrm>
           <a:prstGeom prst="rect">
             <a:avLst/>
           </a:prstGeom>
         </p:spPr>
-        <p:txBody>
-          <a:bodyPr vert="horz" wrap="square" lIns="0" tIns="12700" rIns="0" bIns="0" rtlCol="0">
-            <a:spAutoFit/>
-          </a:bodyPr>
-          <a:lstStyle/>
-          <a:p>
-            <a:pPr marL="12700">
-              <a:lnSpc>
-                <a:spcPct val="100000"/>
-              </a:lnSpc>
-              <a:spcBef>
-                <a:spcPts val="100"/>
-              </a:spcBef>
-            </a:pPr>
-            <a:r>
-              <a:rPr sz="6000" spc="-70" dirty="0">
-                <a:solidFill>
-                  <a:srgbClr val="58595B"/>
-                </a:solidFill>
-              </a:rPr>
-              <a:t>Summary</a:t>
-            </a:r>
-            <a:endParaRPr sz="6000"/>
-          </a:p>
-        </p:txBody>
-      </p:sp>
-      <p:sp>
-        <p:nvSpPr>
-          <p:cNvPr id="6" name="Slide Number Placeholder 5"/>
-          <p:cNvSpPr>
-            <a:spLocks noGrp="1"/>
-          </p:cNvSpPr>
-          <p:nvPr>
-            <p:ph type="sldNum" sz="quarter" idx="7"/>
-          </p:nvPr>
-        </p:nvSpPr>
-        <p:spPr/>
-        <p:txBody>
-          <a:bodyPr/>
-          <a:p>
-            <a:fld id="{B6F15528-21DE-4FAA-801E-634DDDAF4B2B}" type="slidenum">
-              <a:rPr/>
-            </a:fld>
-            <a:endParaRPr/>
-          </a:p>
-        </p:txBody>
-      </p:sp>
+      </p:pic>
     </p:spTree>
+    <p:extLst>
+      <p:ext uri="{BB962C8B-B14F-4D97-AF65-F5344CB8AC3E}">
+        <p14:creationId xmlns:p14="http://schemas.microsoft.com/office/powerpoint/2010/main" val="3444666240"/>
+      </p:ext>
+    </p:extLst>
   </p:cSld>
   <p:clrMapOvr>
     <a:masterClrMapping/>
@@ -3668,7 +4967,7 @@
 </file>
 
 <file path=ppt/slides/slide7.xml><?xml version="1.0" encoding="utf-8"?>
-<p:sld xmlns:a="http://schemas.openxmlformats.org/drawingml/2006/main" xmlns:r="http://schemas.openxmlformats.org/officeDocument/2006/relationships" xmlns:p="http://schemas.openxmlformats.org/presentationml/2006/main" showMasterSp="0">
+<p:sld xmlns:a="http://schemas.openxmlformats.org/drawingml/2006/main" xmlns:r="http://schemas.openxmlformats.org/officeDocument/2006/relationships" xmlns:p="http://schemas.openxmlformats.org/presentationml/2006/main">
   <p:cSld>
     <p:spTree>
       <p:nvGrpSpPr>
@@ -3684,310 +4983,240 @@
           <a:chExt cx="0" cy="0"/>
         </a:xfrm>
       </p:grpSpPr>
+      <p:sp>
+        <p:nvSpPr>
+          <p:cNvPr id="2" name="object 2"/>
+          <p:cNvSpPr txBox="1">
+            <a:spLocks noGrp="1"/>
+          </p:cNvSpPr>
+          <p:nvPr>
+            <p:ph type="title"/>
+          </p:nvPr>
+        </p:nvSpPr>
+        <p:spPr>
+          <a:xfrm>
+            <a:off x="3810000" y="2133600"/>
+            <a:ext cx="5775257" cy="2526333"/>
+          </a:xfrm>
+          <a:prstGeom prst="rect">
+            <a:avLst/>
+          </a:prstGeom>
+        </p:spPr>
+        <p:txBody>
+          <a:bodyPr vert="horz" wrap="square" lIns="0" tIns="12700" rIns="0" bIns="0" rtlCol="0">
+            <a:spAutoFit/>
+          </a:bodyPr>
+          <a:lstStyle/>
+          <a:p>
+            <a:pPr marL="363855" algn="ctr">
+              <a:lnSpc>
+                <a:spcPts val="8455"/>
+              </a:lnSpc>
+              <a:spcBef>
+                <a:spcPts val="100"/>
+              </a:spcBef>
+            </a:pPr>
+            <a:r>
+              <a:rPr spc="400" dirty="0"/>
+              <a:t>D</a:t>
+            </a:r>
+            <a:r>
+              <a:rPr spc="-315" dirty="0"/>
+              <a:t>e</a:t>
+            </a:r>
+            <a:r>
+              <a:rPr spc="45" dirty="0"/>
+              <a:t>mo</a:t>
+            </a:r>
+          </a:p>
+          <a:p>
+            <a:pPr marL="471805" algn="ctr">
+              <a:lnSpc>
+                <a:spcPts val="3655"/>
+              </a:lnSpc>
+            </a:pPr>
+            <a:r>
+              <a:rPr lang="en-US" sz="800" b="0" i="0" dirty="0">
+                <a:solidFill>
+                  <a:srgbClr val="000000"/>
+                </a:solidFill>
+                <a:effectLst/>
+                <a:latin typeface="Segoe UI" panose="020B0502040204020203" pitchFamily="34" charset="0"/>
+              </a:rPr>
+              <a:t> </a:t>
+            </a:r>
+            <a:r>
+              <a:rPr lang="en-US" sz="3200" i="1" spc="-160" dirty="0" err="1"/>
+              <a:t>slideDown</a:t>
+            </a:r>
+            <a:r>
+              <a:rPr lang="en-US" sz="3200" i="1" spc="-160" dirty="0"/>
+              <a:t>()</a:t>
+            </a:r>
+            <a:br>
+              <a:rPr lang="en-US" sz="3200" i="1" spc="-160" dirty="0"/>
+            </a:br>
+            <a:r>
+              <a:rPr lang="en-US" sz="3200" i="1" spc="-160" dirty="0" err="1"/>
+              <a:t>slideUp</a:t>
+            </a:r>
+            <a:r>
+              <a:rPr lang="en-US" sz="3200" i="1" spc="-160" dirty="0"/>
+              <a:t>()</a:t>
+            </a:r>
+            <a:br>
+              <a:rPr lang="en-US" sz="800" b="0" i="0" dirty="0">
+                <a:solidFill>
+                  <a:srgbClr val="000000"/>
+                </a:solidFill>
+                <a:effectLst/>
+                <a:latin typeface="Segoe UI" panose="020B0502040204020203" pitchFamily="34" charset="0"/>
+              </a:rPr>
+            </a:br>
+            <a:r>
+              <a:rPr lang="en-US" sz="800" b="0" i="0" dirty="0">
+                <a:solidFill>
+                  <a:srgbClr val="000000"/>
+                </a:solidFill>
+                <a:effectLst/>
+                <a:latin typeface="Segoe UI" panose="020B0502040204020203" pitchFamily="34" charset="0"/>
+              </a:rPr>
+              <a:t>,</a:t>
+            </a:r>
+            <a:r>
+              <a:rPr lang="en-US" sz="3200" i="1" spc="-160" dirty="0" err="1"/>
+              <a:t>slideToggle</a:t>
+            </a:r>
+            <a:r>
+              <a:rPr lang="en-US" sz="3200" i="1" spc="-160" dirty="0"/>
+              <a:t>() </a:t>
+            </a:r>
+            <a:endParaRPr lang="en-US" sz="3200" dirty="0">
+              <a:latin typeface="Trebuchet MS" panose="020B0603020202020204"/>
+              <a:cs typeface="Trebuchet MS" panose="020B0603020202020204"/>
+            </a:endParaRPr>
+          </a:p>
+        </p:txBody>
+      </p:sp>
+      <p:sp>
+        <p:nvSpPr>
+          <p:cNvPr id="3" name="Slide Number Placeholder 2"/>
+          <p:cNvSpPr>
+            <a:spLocks noGrp="1"/>
+          </p:cNvSpPr>
+          <p:nvPr>
+            <p:ph type="sldNum" sz="quarter" idx="7"/>
+          </p:nvPr>
+        </p:nvSpPr>
+        <p:spPr/>
+        <p:txBody>
+          <a:bodyPr/>
+          <a:lstStyle/>
+          <a:p>
+            <a:fld id="{B6F15528-21DE-4FAA-801E-634DDDAF4B2B}" type="slidenum">
+              <a:rPr/>
+              <a:t>7</a:t>
+            </a:fld>
+            <a:endParaRPr/>
+          </a:p>
+        </p:txBody>
+      </p:sp>
       <p:pic>
         <p:nvPicPr>
-          <p:cNvPr id="2" name="object 2"/>
-          <p:cNvPicPr/>
+          <p:cNvPr id="6" name="Picture 5">
+            <a:extLst>
+              <a:ext uri="{FF2B5EF4-FFF2-40B4-BE49-F238E27FC236}">
+                <a16:creationId xmlns:a16="http://schemas.microsoft.com/office/drawing/2014/main" id="{3FC27140-9780-DB33-55A2-F98A3F15F612}"/>
+              </a:ext>
+            </a:extLst>
+          </p:cNvPr>
+          <p:cNvPicPr>
+            <a:picLocks noChangeAspect="1"/>
+          </p:cNvPicPr>
           <p:nvPr/>
         </p:nvPicPr>
         <p:blipFill>
-          <a:blip r:embed="rId1" cstate="print"/>
-          <a:srcRect b="7569"/>
+          <a:blip r:embed="rId3"/>
           <a:stretch>
             <a:fillRect/>
           </a:stretch>
         </p:blipFill>
         <p:spPr>
           <a:xfrm>
-            <a:off x="18415" y="8890"/>
-            <a:ext cx="12173585" cy="6849110"/>
+            <a:off x="251152" y="3173708"/>
+            <a:ext cx="3558848" cy="510584"/>
           </a:xfrm>
           <a:prstGeom prst="rect">
             <a:avLst/>
           </a:prstGeom>
         </p:spPr>
       </p:pic>
-      <p:sp>
-        <p:nvSpPr>
-          <p:cNvPr id="3" name="object 3"/>
-          <p:cNvSpPr/>
-          <p:nvPr/>
-        </p:nvSpPr>
-        <p:spPr>
-          <a:xfrm>
-            <a:off x="4062221" y="2359914"/>
-            <a:ext cx="0" cy="2008505"/>
-          </a:xfrm>
-          <a:custGeom>
-            <a:avLst/>
-            <a:gdLst/>
-            <a:ahLst/>
-            <a:cxnLst/>
-            <a:rect l="l" t="t" r="r" b="b"/>
-            <a:pathLst>
-              <a:path h="2008504">
-                <a:moveTo>
-                  <a:pt x="0" y="0"/>
-                </a:moveTo>
-                <a:lnTo>
-                  <a:pt x="0" y="2008251"/>
-                </a:lnTo>
-              </a:path>
-            </a:pathLst>
-          </a:custGeom>
-          <a:ln w="22860">
-            <a:solidFill>
-              <a:srgbClr val="79A14C"/>
-            </a:solidFill>
-          </a:ln>
-        </p:spPr>
-        <p:txBody>
-          <a:bodyPr wrap="square" lIns="0" tIns="0" rIns="0" bIns="0" rtlCol="0"/>
-          <a:lstStyle/>
-          <a:p/>
-        </p:txBody>
-      </p:sp>
-      <p:sp>
-        <p:nvSpPr>
-          <p:cNvPr id="4" name="object 4"/>
-          <p:cNvSpPr txBox="1">
-            <a:spLocks noGrp="1"/>
-          </p:cNvSpPr>
-          <p:nvPr>
-            <p:ph type="title"/>
-          </p:nvPr>
-        </p:nvSpPr>
-        <p:spPr>
-          <a:xfrm>
-            <a:off x="4466166" y="2641685"/>
-            <a:ext cx="5795010" cy="1367790"/>
-          </a:xfrm>
-          <a:prstGeom prst="rect">
-            <a:avLst/>
-          </a:prstGeom>
-        </p:spPr>
-        <p:txBody>
-          <a:bodyPr vert="horz" wrap="square" lIns="0" tIns="13335" rIns="0" bIns="0" rtlCol="0">
-            <a:spAutoFit/>
-          </a:bodyPr>
-          <a:lstStyle/>
-          <a:p>
-            <a:pPr marL="12700" marR="5080">
-              <a:lnSpc>
-                <a:spcPct val="100000"/>
-              </a:lnSpc>
-              <a:spcBef>
-                <a:spcPts val="105"/>
-              </a:spcBef>
-            </a:pPr>
-            <a:r>
-              <a:rPr sz="4400" spc="225" dirty="0">
-                <a:solidFill>
-                  <a:srgbClr val="58595B"/>
-                </a:solidFill>
-              </a:rPr>
-              <a:t>D</a:t>
-            </a:r>
-            <a:r>
-              <a:rPr sz="4400" spc="-250" dirty="0">
-                <a:solidFill>
-                  <a:srgbClr val="58595B"/>
-                </a:solidFill>
-              </a:rPr>
-              <a:t>i</a:t>
-            </a:r>
-            <a:r>
-              <a:rPr sz="4400" spc="-325" dirty="0">
-                <a:solidFill>
-                  <a:srgbClr val="58595B"/>
-                </a:solidFill>
-              </a:rPr>
-              <a:t>f</a:t>
-            </a:r>
-            <a:r>
-              <a:rPr sz="4400" spc="-409" dirty="0">
-                <a:solidFill>
-                  <a:srgbClr val="58595B"/>
-                </a:solidFill>
-              </a:rPr>
-              <a:t>f</a:t>
-            </a:r>
-            <a:r>
-              <a:rPr sz="4400" spc="-275" dirty="0">
-                <a:solidFill>
-                  <a:srgbClr val="58595B"/>
-                </a:solidFill>
-              </a:rPr>
-              <a:t>e</a:t>
-            </a:r>
-            <a:r>
-              <a:rPr sz="4400" spc="-245" dirty="0">
-                <a:solidFill>
-                  <a:srgbClr val="58595B"/>
-                </a:solidFill>
-              </a:rPr>
-              <a:t>r</a:t>
-            </a:r>
-            <a:r>
-              <a:rPr sz="4400" spc="-80" dirty="0">
-                <a:solidFill>
-                  <a:srgbClr val="58595B"/>
-                </a:solidFill>
-              </a:rPr>
-              <a:t>en</a:t>
-            </a:r>
-            <a:r>
-              <a:rPr sz="4400" spc="-240" dirty="0">
-                <a:solidFill>
-                  <a:srgbClr val="58595B"/>
-                </a:solidFill>
-              </a:rPr>
-              <a:t>c</a:t>
-            </a:r>
-            <a:r>
-              <a:rPr sz="4400" spc="-120" dirty="0">
-                <a:solidFill>
-                  <a:srgbClr val="58595B"/>
-                </a:solidFill>
-              </a:rPr>
-              <a:t>es</a:t>
-            </a:r>
-            <a:r>
-              <a:rPr sz="4400" spc="-420" dirty="0">
-                <a:solidFill>
-                  <a:srgbClr val="58595B"/>
-                </a:solidFill>
-              </a:rPr>
-              <a:t> </a:t>
-            </a:r>
-            <a:r>
-              <a:rPr sz="4400" spc="-40" dirty="0">
-                <a:solidFill>
-                  <a:srgbClr val="58595B"/>
-                </a:solidFill>
-              </a:rPr>
-              <a:t>am</a:t>
-            </a:r>
-            <a:r>
-              <a:rPr sz="4400" spc="-45" dirty="0">
-                <a:solidFill>
-                  <a:srgbClr val="58595B"/>
-                </a:solidFill>
-              </a:rPr>
-              <a:t>o</a:t>
-            </a:r>
-            <a:r>
-              <a:rPr sz="4400" spc="40" dirty="0">
-                <a:solidFill>
-                  <a:srgbClr val="58595B"/>
-                </a:solidFill>
-              </a:rPr>
-              <a:t>n</a:t>
-            </a:r>
-            <a:r>
-              <a:rPr sz="4400" spc="250" dirty="0">
-                <a:solidFill>
-                  <a:srgbClr val="58595B"/>
-                </a:solidFill>
-              </a:rPr>
-              <a:t>g</a:t>
-            </a:r>
-            <a:r>
-              <a:rPr sz="4400" spc="-405" dirty="0">
-                <a:solidFill>
-                  <a:srgbClr val="58595B"/>
-                </a:solidFill>
-              </a:rPr>
-              <a:t> </a:t>
-            </a:r>
-            <a:r>
-              <a:rPr sz="4400" spc="-95" dirty="0">
-                <a:solidFill>
-                  <a:srgbClr val="58595B"/>
-                </a:solidFill>
-              </a:rPr>
-              <a:t>in</a:t>
-            </a:r>
-            <a:r>
-              <a:rPr sz="4400" spc="35" dirty="0">
-                <a:solidFill>
-                  <a:srgbClr val="58595B"/>
-                </a:solidFill>
-              </a:rPr>
-              <a:t>p</a:t>
-            </a:r>
-            <a:r>
-              <a:rPr sz="4400" spc="30" dirty="0">
-                <a:solidFill>
-                  <a:srgbClr val="58595B"/>
-                </a:solidFill>
-              </a:rPr>
-              <a:t>u</a:t>
-            </a:r>
-            <a:r>
-              <a:rPr sz="4400" spc="-245" dirty="0">
-                <a:solidFill>
-                  <a:srgbClr val="58595B"/>
-                </a:solidFill>
-              </a:rPr>
-              <a:t>t  </a:t>
-            </a:r>
-            <a:r>
-              <a:rPr sz="4400" spc="-110" dirty="0">
-                <a:solidFill>
-                  <a:srgbClr val="58595B"/>
-                </a:solidFill>
-              </a:rPr>
-              <a:t>types</a:t>
-            </a:r>
-            <a:endParaRPr sz="4400"/>
-          </a:p>
-        </p:txBody>
-      </p:sp>
       <p:pic>
         <p:nvPicPr>
-          <p:cNvPr id="5" name="object 5"/>
-          <p:cNvPicPr/>
+          <p:cNvPr id="9" name="Picture 8">
+            <a:extLst>
+              <a:ext uri="{FF2B5EF4-FFF2-40B4-BE49-F238E27FC236}">
+                <a16:creationId xmlns:a16="http://schemas.microsoft.com/office/drawing/2014/main" id="{0FCB4699-1C42-9368-8C00-A3A8AE997507}"/>
+              </a:ext>
+            </a:extLst>
+          </p:cNvPr>
+          <p:cNvPicPr>
+            <a:picLocks noChangeAspect="1"/>
+          </p:cNvPicPr>
           <p:nvPr/>
         </p:nvPicPr>
         <p:blipFill>
-          <a:blip r:embed="rId2" cstate="print"/>
+          <a:blip r:embed="rId4"/>
           <a:stretch>
             <a:fillRect/>
           </a:stretch>
         </p:blipFill>
         <p:spPr>
           <a:xfrm>
-            <a:off x="1632204" y="2353055"/>
-            <a:ext cx="2011679" cy="2011679"/>
+            <a:off x="251152" y="4049116"/>
+            <a:ext cx="3596952" cy="556308"/>
           </a:xfrm>
           <a:prstGeom prst="rect">
             <a:avLst/>
           </a:prstGeom>
         </p:spPr>
       </p:pic>
-      <p:sp>
-        <p:nvSpPr>
-          <p:cNvPr id="6" name="Slide Number Placeholder 5"/>
-          <p:cNvSpPr>
-            <a:spLocks noGrp="1"/>
-          </p:cNvSpPr>
-          <p:nvPr>
-            <p:ph type="sldNum" sz="quarter" idx="7"/>
-          </p:nvPr>
-        </p:nvSpPr>
-        <p:spPr/>
-        <p:txBody>
-          <a:bodyPr/>
-          <a:p>
-            <a:fld id="{B6F15528-21DE-4FAA-801E-634DDDAF4B2B}" type="slidenum">
-              <a:rPr/>
-            </a:fld>
-            <a:endParaRPr/>
-          </a:p>
-        </p:txBody>
-      </p:sp>
+      <p:pic>
+        <p:nvPicPr>
+          <p:cNvPr id="11" name="Picture 10">
+            <a:extLst>
+              <a:ext uri="{FF2B5EF4-FFF2-40B4-BE49-F238E27FC236}">
+                <a16:creationId xmlns:a16="http://schemas.microsoft.com/office/drawing/2014/main" id="{AC665A39-9846-F599-8731-46346FCCC923}"/>
+              </a:ext>
+            </a:extLst>
+          </p:cNvPr>
+          <p:cNvPicPr>
+            <a:picLocks noChangeAspect="1"/>
+          </p:cNvPicPr>
+          <p:nvPr/>
+        </p:nvPicPr>
+        <p:blipFill>
+          <a:blip r:embed="rId5"/>
+          <a:stretch>
+            <a:fillRect/>
+          </a:stretch>
+        </p:blipFill>
+        <p:spPr>
+          <a:xfrm>
+            <a:off x="251152" y="4970248"/>
+            <a:ext cx="3596952" cy="548688"/>
+          </a:xfrm>
+          <a:prstGeom prst="rect">
+            <a:avLst/>
+          </a:prstGeom>
+        </p:spPr>
+      </p:pic>
     </p:spTree>
+    <p:extLst>
+      <p:ext uri="{BB962C8B-B14F-4D97-AF65-F5344CB8AC3E}">
+        <p14:creationId xmlns:p14="http://schemas.microsoft.com/office/powerpoint/2010/main" val="106994040"/>
+      </p:ext>
+    </p:extLst>
   </p:cSld>
   <p:clrMapOvr>
     <a:masterClrMapping/>
@@ -3999,7 +5228,7 @@
 </file>
 
 <file path=ppt/slides/slide8.xml><?xml version="1.0" encoding="utf-8"?>
-<p:sld xmlns:a="http://schemas.openxmlformats.org/drawingml/2006/main" xmlns:r="http://schemas.openxmlformats.org/officeDocument/2006/relationships" xmlns:p="http://schemas.openxmlformats.org/presentationml/2006/main" showMasterSp="0">
+<p:sld xmlns:a="http://schemas.openxmlformats.org/drawingml/2006/main" xmlns:r="http://schemas.openxmlformats.org/officeDocument/2006/relationships" xmlns:p="http://schemas.openxmlformats.org/presentationml/2006/main">
   <p:cSld>
     <p:spTree>
       <p:nvGrpSpPr>
@@ -4015,235 +5244,219 @@
           <a:chExt cx="0" cy="0"/>
         </a:xfrm>
       </p:grpSpPr>
+      <p:sp>
+        <p:nvSpPr>
+          <p:cNvPr id="2" name="object 2"/>
+          <p:cNvSpPr txBox="1">
+            <a:spLocks noGrp="1"/>
+          </p:cNvSpPr>
+          <p:nvPr>
+            <p:ph type="title"/>
+          </p:nvPr>
+        </p:nvSpPr>
+        <p:spPr>
+          <a:prstGeom prst="rect">
+            <a:avLst/>
+          </a:prstGeom>
+        </p:spPr>
+        <p:txBody>
+          <a:bodyPr vert="horz" wrap="square" lIns="0" tIns="12700" rIns="0" bIns="0" rtlCol="0">
+            <a:spAutoFit/>
+          </a:bodyPr>
+          <a:lstStyle/>
+          <a:p>
+            <a:pPr marL="363855">
+              <a:lnSpc>
+                <a:spcPts val="8455"/>
+              </a:lnSpc>
+              <a:spcBef>
+                <a:spcPts val="100"/>
+              </a:spcBef>
+            </a:pPr>
+            <a:r>
+              <a:rPr spc="400" dirty="0"/>
+              <a:t>D</a:t>
+            </a:r>
+            <a:r>
+              <a:rPr spc="-315" dirty="0"/>
+              <a:t>e</a:t>
+            </a:r>
+            <a:r>
+              <a:rPr spc="45" dirty="0"/>
+              <a:t>mo</a:t>
+            </a:r>
+          </a:p>
+          <a:p>
+            <a:pPr marL="471805">
+              <a:lnSpc>
+                <a:spcPts val="3655"/>
+              </a:lnSpc>
+            </a:pPr>
+            <a:r>
+              <a:rPr lang="en-US" sz="3200" i="1" spc="-160" dirty="0">
+                <a:latin typeface="Trebuchet MS" panose="020B0603020202020204"/>
+                <a:cs typeface="Trebuchet MS" panose="020B0603020202020204"/>
+              </a:rPr>
+              <a:t>callback</a:t>
+            </a:r>
+            <a:endParaRPr sz="3200" dirty="0">
+              <a:latin typeface="Trebuchet MS" panose="020B0603020202020204"/>
+              <a:cs typeface="Trebuchet MS" panose="020B0603020202020204"/>
+            </a:endParaRPr>
+          </a:p>
+        </p:txBody>
+      </p:sp>
+      <p:sp>
+        <p:nvSpPr>
+          <p:cNvPr id="3" name="Slide Number Placeholder 2"/>
+          <p:cNvSpPr>
+            <a:spLocks noGrp="1"/>
+          </p:cNvSpPr>
+          <p:nvPr>
+            <p:ph type="sldNum" sz="quarter" idx="7"/>
+          </p:nvPr>
+        </p:nvSpPr>
+        <p:spPr/>
+        <p:txBody>
+          <a:bodyPr/>
+          <a:lstStyle/>
+          <a:p>
+            <a:fld id="{B6F15528-21DE-4FAA-801E-634DDDAF4B2B}" type="slidenum">
+              <a:rPr/>
+              <a:t>8</a:t>
+            </a:fld>
+            <a:endParaRPr/>
+          </a:p>
+        </p:txBody>
+      </p:sp>
       <p:pic>
         <p:nvPicPr>
-          <p:cNvPr id="2" name="object 2"/>
-          <p:cNvPicPr/>
+          <p:cNvPr id="5" name="Picture 4">
+            <a:extLst>
+              <a:ext uri="{FF2B5EF4-FFF2-40B4-BE49-F238E27FC236}">
+                <a16:creationId xmlns:a16="http://schemas.microsoft.com/office/drawing/2014/main" id="{5437E040-97BC-F19F-937D-821F320DAEAA}"/>
+              </a:ext>
+            </a:extLst>
+          </p:cNvPr>
+          <p:cNvPicPr>
+            <a:picLocks noChangeAspect="1"/>
+          </p:cNvPicPr>
           <p:nvPr/>
         </p:nvPicPr>
         <p:blipFill>
-          <a:blip r:embed="rId1" cstate="print"/>
-          <a:srcRect b="6243"/>
+          <a:blip r:embed="rId3"/>
           <a:stretch>
             <a:fillRect/>
           </a:stretch>
         </p:blipFill>
         <p:spPr>
           <a:xfrm>
-            <a:off x="18415" y="8890"/>
-            <a:ext cx="12173585" cy="6849110"/>
+            <a:off x="2286000" y="4876800"/>
+            <a:ext cx="3124471" cy="533446"/>
           </a:xfrm>
           <a:prstGeom prst="rect">
             <a:avLst/>
           </a:prstGeom>
         </p:spPr>
       </p:pic>
-      <p:sp>
-        <p:nvSpPr>
-          <p:cNvPr id="3" name="object 3"/>
-          <p:cNvSpPr/>
-          <p:nvPr/>
+    </p:spTree>
+    <p:extLst>
+      <p:ext uri="{BB962C8B-B14F-4D97-AF65-F5344CB8AC3E}">
+        <p14:creationId xmlns:p14="http://schemas.microsoft.com/office/powerpoint/2010/main" val="1431340094"/>
+      </p:ext>
+    </p:extLst>
+  </p:cSld>
+  <p:clrMapOvr>
+    <a:masterClrMapping/>
+  </p:clrMapOvr>
+  <p:transition>
+    <p:fade/>
+  </p:transition>
+</p:sld>
+</file>
+
+<file path=ppt/slides/slide9.xml><?xml version="1.0" encoding="utf-8"?>
+<p:sld xmlns:a="http://schemas.openxmlformats.org/drawingml/2006/main" xmlns:r="http://schemas.openxmlformats.org/officeDocument/2006/relationships" xmlns:p="http://schemas.openxmlformats.org/presentationml/2006/main">
+  <p:cSld>
+    <p:spTree>
+      <p:nvGrpSpPr>
+        <p:cNvPr id="1" name=""/>
+        <p:cNvGrpSpPr/>
+        <p:nvPr/>
+      </p:nvGrpSpPr>
+      <p:grpSpPr>
+        <a:xfrm>
+          <a:off x="0" y="0"/>
+          <a:ext cx="0" cy="0"/>
+          <a:chOff x="0" y="0"/>
+          <a:chExt cx="0" cy="0"/>
+        </a:xfrm>
+      </p:grpSpPr>
+      <p:sp>
+        <p:nvSpPr>
+          <p:cNvPr id="2" name="object 2"/>
+          <p:cNvSpPr txBox="1">
+            <a:spLocks noGrp="1"/>
+          </p:cNvSpPr>
+          <p:nvPr>
+            <p:ph type="title"/>
+          </p:nvPr>
         </p:nvSpPr>
         <p:spPr>
-          <a:xfrm>
-            <a:off x="4062221" y="2359914"/>
-            <a:ext cx="0" cy="2008505"/>
-          </a:xfrm>
-          <a:custGeom>
-            <a:avLst/>
-            <a:gdLst/>
-            <a:ahLst/>
-            <a:cxnLst/>
-            <a:rect l="l" t="t" r="r" b="b"/>
-            <a:pathLst>
-              <a:path h="2008504">
-                <a:moveTo>
-                  <a:pt x="0" y="0"/>
-                </a:moveTo>
-                <a:lnTo>
-                  <a:pt x="0" y="2008251"/>
-                </a:lnTo>
-              </a:path>
-            </a:pathLst>
-          </a:custGeom>
-          <a:ln w="22860">
-            <a:solidFill>
-              <a:srgbClr val="79A14C"/>
-            </a:solidFill>
-          </a:ln>
-        </p:spPr>
-        <p:txBody>
-          <a:bodyPr wrap="square" lIns="0" tIns="0" rIns="0" bIns="0" rtlCol="0"/>
-          <a:lstStyle/>
-          <a:p/>
-        </p:txBody>
-      </p:sp>
-      <p:sp>
-        <p:nvSpPr>
-          <p:cNvPr id="4" name="object 4"/>
-          <p:cNvSpPr txBox="1">
-            <a:spLocks noGrp="1"/>
-          </p:cNvSpPr>
-          <p:nvPr>
-            <p:ph type="title"/>
-          </p:nvPr>
-        </p:nvSpPr>
-        <p:spPr>
-          <a:xfrm>
-            <a:off x="4466166" y="2976964"/>
-            <a:ext cx="3498215" cy="696595"/>
-          </a:xfrm>
           <a:prstGeom prst="rect">
             <a:avLst/>
           </a:prstGeom>
         </p:spPr>
         <p:txBody>
-          <a:bodyPr vert="horz" wrap="square" lIns="0" tIns="13335" rIns="0" bIns="0" rtlCol="0">
+          <a:bodyPr vert="horz" wrap="square" lIns="0" tIns="12700" rIns="0" bIns="0" rtlCol="0">
             <a:spAutoFit/>
           </a:bodyPr>
           <a:lstStyle/>
           <a:p>
-            <a:pPr marL="12700">
+            <a:pPr marL="363855">
               <a:lnSpc>
-                <a:spcPct val="100000"/>
+                <a:spcPts val="8455"/>
               </a:lnSpc>
               <a:spcBef>
-                <a:spcPts val="105"/>
+                <a:spcPts val="100"/>
               </a:spcBef>
             </a:pPr>
             <a:r>
-              <a:rPr sz="4400" spc="-415" dirty="0">
-                <a:solidFill>
-                  <a:srgbClr val="58595B"/>
-                </a:solidFill>
-              </a:rPr>
-              <a:t>T</a:t>
-            </a:r>
-            <a:r>
-              <a:rPr sz="4400" spc="40" dirty="0">
-                <a:solidFill>
-                  <a:srgbClr val="58595B"/>
-                </a:solidFill>
-              </a:rPr>
-              <a:t>h</a:t>
-            </a:r>
-            <a:r>
-              <a:rPr sz="4400" spc="-195" dirty="0">
-                <a:solidFill>
-                  <a:srgbClr val="58595B"/>
-                </a:solidFill>
-              </a:rPr>
+              <a:rPr spc="400" dirty="0"/>
+              <a:t>D</a:t>
+            </a:r>
+            <a:r>
+              <a:rPr spc="-315" dirty="0"/>
               <a:t>e</a:t>
             </a:r>
             <a:r>
-              <a:rPr sz="4400" spc="-405" dirty="0">
-                <a:solidFill>
-                  <a:srgbClr val="58595B"/>
-                </a:solidFill>
-              </a:rPr>
-              <a:t> </a:t>
-            </a:r>
-            <a:r>
-              <a:rPr sz="4400" spc="-25" dirty="0">
-                <a:solidFill>
-                  <a:srgbClr val="58595B"/>
-                </a:solidFill>
-              </a:rPr>
-              <a:t>Big</a:t>
-            </a:r>
-            <a:r>
-              <a:rPr sz="4400" spc="-390" dirty="0">
-                <a:solidFill>
-                  <a:srgbClr val="58595B"/>
-                </a:solidFill>
-              </a:rPr>
-              <a:t> </a:t>
-            </a:r>
-            <a:r>
-              <a:rPr sz="4400" spc="-190" dirty="0">
-                <a:solidFill>
-                  <a:srgbClr val="58595B"/>
-                </a:solidFill>
-              </a:rPr>
-              <a:t>P</a:t>
-            </a:r>
-            <a:r>
-              <a:rPr sz="4400" spc="-160" dirty="0">
-                <a:solidFill>
-                  <a:srgbClr val="58595B"/>
-                </a:solidFill>
-              </a:rPr>
-              <a:t>i</a:t>
-            </a:r>
-            <a:r>
-              <a:rPr sz="4400" spc="-220" dirty="0">
-                <a:solidFill>
-                  <a:srgbClr val="58595B"/>
-                </a:solidFill>
-              </a:rPr>
-              <a:t>c</a:t>
-            </a:r>
-            <a:r>
-              <a:rPr sz="4400" spc="-300" dirty="0">
-                <a:solidFill>
-                  <a:srgbClr val="58595B"/>
-                </a:solidFill>
-              </a:rPr>
-              <a:t>t</a:t>
-            </a:r>
-            <a:r>
-              <a:rPr sz="4400" spc="15" dirty="0">
-                <a:solidFill>
-                  <a:srgbClr val="58595B"/>
-                </a:solidFill>
-              </a:rPr>
-              <a:t>u</a:t>
-            </a:r>
-            <a:r>
-              <a:rPr sz="4400" spc="-325" dirty="0">
-                <a:solidFill>
-                  <a:srgbClr val="58595B"/>
-                </a:solidFill>
-              </a:rPr>
-              <a:t>r</a:t>
-            </a:r>
-            <a:r>
-              <a:rPr sz="4400" spc="-195" dirty="0">
-                <a:solidFill>
-                  <a:srgbClr val="58595B"/>
-                </a:solidFill>
-              </a:rPr>
-              <a:t>e</a:t>
-            </a:r>
-            <a:endParaRPr sz="4400"/>
-          </a:p>
-        </p:txBody>
-      </p:sp>
-      <p:pic>
-        <p:nvPicPr>
-          <p:cNvPr id="5" name="object 5"/>
-          <p:cNvPicPr/>
-          <p:nvPr/>
-        </p:nvPicPr>
-        <p:blipFill>
-          <a:blip r:embed="rId2" cstate="print"/>
-          <a:stretch>
-            <a:fillRect/>
-          </a:stretch>
-        </p:blipFill>
-        <p:spPr>
-          <a:xfrm>
-            <a:off x="1632204" y="2575560"/>
-            <a:ext cx="2011679" cy="1568195"/>
-          </a:xfrm>
-          <a:prstGeom prst="rect">
-            <a:avLst/>
-          </a:prstGeom>
-        </p:spPr>
-      </p:pic>
-      <p:sp>
-        <p:nvSpPr>
-          <p:cNvPr id="6" name="Slide Number Placeholder 5"/>
+              <a:rPr spc="45" dirty="0"/>
+              <a:t>mo</a:t>
+            </a:r>
+          </a:p>
+          <a:p>
+            <a:pPr marL="471805">
+              <a:lnSpc>
+                <a:spcPts val="3655"/>
+              </a:lnSpc>
+            </a:pPr>
+            <a:r>
+              <a:rPr lang="en-US" sz="3200" i="1" spc="-160" dirty="0">
+                <a:latin typeface="Trebuchet MS" panose="020B0603020202020204"/>
+                <a:cs typeface="Trebuchet MS" panose="020B0603020202020204"/>
+              </a:rPr>
+              <a:t>Data Tables</a:t>
+            </a:r>
+            <a:endParaRPr sz="3200" dirty="0">
+              <a:latin typeface="Trebuchet MS" panose="020B0603020202020204"/>
+              <a:cs typeface="Trebuchet MS" panose="020B0603020202020204"/>
+            </a:endParaRPr>
+          </a:p>
+        </p:txBody>
+      </p:sp>
+      <p:sp>
+        <p:nvSpPr>
+          <p:cNvPr id="3" name="Slide Number Placeholder 2"/>
           <p:cNvSpPr>
             <a:spLocks noGrp="1"/>
           </p:cNvSpPr>
@@ -4254,15 +5467,22 @@
         <p:spPr/>
         <p:txBody>
           <a:bodyPr/>
+          <a:lstStyle/>
           <a:p>
             <a:fld id="{B6F15528-21DE-4FAA-801E-634DDDAF4B2B}" type="slidenum">
               <a:rPr/>
+              <a:t>9</a:t>
             </a:fld>
             <a:endParaRPr/>
           </a:p>
         </p:txBody>
       </p:sp>
     </p:spTree>
+    <p:extLst>
+      <p:ext uri="{BB962C8B-B14F-4D97-AF65-F5344CB8AC3E}">
+        <p14:creationId xmlns:p14="http://schemas.microsoft.com/office/powerpoint/2010/main" val="1173025912"/>
+      </p:ext>
+    </p:extLst>
   </p:cSld>
   <p:clrMapOvr>
     <a:masterClrMapping/>
@@ -4551,6 +5771,8 @@
       </a:bgFillStyleLst>
     </a:fmtScheme>
   </a:themeElements>
+  <a:objectDefaults/>
+  <a:extraClrSchemeLst/>
   <a:extLst>
     <a:ext uri="{05A4C25C-085E-4340-85A3-A5531E510DB2}">
       <thm15:themeFamily xmlns:thm15="http://schemas.microsoft.com/office/thememl/2012/main" name="Office Theme" id="{62F939B6-93AF-4DB8-9C6B-D6C7DFDC589F}" vid="{4A3C46E8-61CC-4603-A589-7422A47A8E4A}"/>
@@ -4810,6 +6032,8 @@
       </a:bgFillStyleLst>
     </a:fmtScheme>
   </a:themeElements>
+  <a:objectDefaults/>
+  <a:extraClrSchemeLst/>
   <a:extLst>
     <a:ext uri="{05A4C25C-085E-4340-85A3-A5531E510DB2}">
       <thm15:themeFamily xmlns:thm15="http://schemas.microsoft.com/office/thememl/2012/main" name="Office Theme" id="{62F939B6-93AF-4DB8-9C6B-D6C7DFDC589F}" vid="{4A3C46E8-61CC-4603-A589-7422A47A8E4A}"/>
